--- a/Web api Security.pptx
+++ b/Web api Security.pptx
@@ -5,7 +5,7 @@
     <p:sldMasterId id="2147483648" r:id="rId1"/>
   </p:sldMasterIdLst>
   <p:notesMasterIdLst>
-    <p:notesMasterId r:id="rId25"/>
+    <p:notesMasterId r:id="rId26"/>
   </p:notesMasterIdLst>
   <p:sldIdLst>
     <p:sldId id="256" r:id="rId2"/>
@@ -13,24 +13,25 @@
     <p:sldId id="260" r:id="rId4"/>
     <p:sldId id="258" r:id="rId5"/>
     <p:sldId id="257" r:id="rId6"/>
-    <p:sldId id="262" r:id="rId7"/>
-    <p:sldId id="261" r:id="rId8"/>
-    <p:sldId id="278" r:id="rId9"/>
-    <p:sldId id="263" r:id="rId10"/>
-    <p:sldId id="264" r:id="rId11"/>
-    <p:sldId id="270" r:id="rId12"/>
-    <p:sldId id="265" r:id="rId13"/>
-    <p:sldId id="266" r:id="rId14"/>
-    <p:sldId id="269" r:id="rId15"/>
-    <p:sldId id="268" r:id="rId16"/>
-    <p:sldId id="267" r:id="rId17"/>
-    <p:sldId id="272" r:id="rId18"/>
-    <p:sldId id="277" r:id="rId19"/>
-    <p:sldId id="271" r:id="rId20"/>
-    <p:sldId id="273" r:id="rId21"/>
-    <p:sldId id="274" r:id="rId22"/>
-    <p:sldId id="276" r:id="rId23"/>
-    <p:sldId id="275" r:id="rId24"/>
+    <p:sldId id="279" r:id="rId7"/>
+    <p:sldId id="262" r:id="rId8"/>
+    <p:sldId id="261" r:id="rId9"/>
+    <p:sldId id="278" r:id="rId10"/>
+    <p:sldId id="263" r:id="rId11"/>
+    <p:sldId id="264" r:id="rId12"/>
+    <p:sldId id="270" r:id="rId13"/>
+    <p:sldId id="265" r:id="rId14"/>
+    <p:sldId id="266" r:id="rId15"/>
+    <p:sldId id="269" r:id="rId16"/>
+    <p:sldId id="268" r:id="rId17"/>
+    <p:sldId id="267" r:id="rId18"/>
+    <p:sldId id="272" r:id="rId19"/>
+    <p:sldId id="277" r:id="rId20"/>
+    <p:sldId id="271" r:id="rId21"/>
+    <p:sldId id="273" r:id="rId22"/>
+    <p:sldId id="274" r:id="rId23"/>
+    <p:sldId id="276" r:id="rId24"/>
+    <p:sldId id="275" r:id="rId25"/>
   </p:sldIdLst>
   <p:sldSz cx="12192000" cy="6858000"/>
   <p:notesSz cx="6858000" cy="9144000"/>
@@ -9053,7 +9054,7 @@
           <a:p>
             <a:fld id="{802F4FDE-E608-4837-AD92-7859B3E0AEC1}" type="slidenum">
               <a:rPr lang="en-US" smtClean="0"/>
-              <a:t>10</a:t>
+              <a:t>11</a:t>
             </a:fld>
             <a:endParaRPr lang="en-US"/>
           </a:p>
@@ -9127,13 +9128,8 @@
           <a:p>
             <a:r>
               <a:rPr lang="en-US" dirty="0"/>
-              <a:t>-&gt;The resource server is the server hosting the resources. </a:t>
+              <a:t>-&gt;The resource server is the server hosting the resources. For instance, Facebook or Google is a resource server (or has a resource server). </a:t>
             </a:r>
-            <a:r>
-              <a:rPr lang="en-US"/>
-              <a:t>For instance, Facebook or Google is a resource server (or has a resource server). </a:t>
-            </a:r>
-            <a:endParaRPr lang="en-US" dirty="0"/>
           </a:p>
           <a:p>
             <a:endParaRPr lang="en-US" dirty="0"/>
@@ -9157,7 +9153,7 @@
           <a:p>
             <a:fld id="{802F4FDE-E608-4837-AD92-7859B3E0AEC1}" type="slidenum">
               <a:rPr lang="en-US" smtClean="0"/>
-              <a:t>15</a:t>
+              <a:t>16</a:t>
             </a:fld>
             <a:endParaRPr lang="en-US"/>
           </a:p>
@@ -9167,6 +9163,90 @@
     <p:extLst>
       <p:ext uri="{BB962C8B-B14F-4D97-AF65-F5344CB8AC3E}">
         <p14:creationId xmlns:p14="http://schemas.microsoft.com/office/powerpoint/2010/main" val="356725279"/>
+      </p:ext>
+    </p:extLst>
+  </p:cSld>
+  <p:clrMapOvr>
+    <a:masterClrMapping/>
+  </p:clrMapOvr>
+</p:notes>
+</file>
+
+<file path=ppt/notesSlides/notesSlide3.xml><?xml version="1.0" encoding="utf-8"?>
+<p:notes xmlns:a="http://schemas.openxmlformats.org/drawingml/2006/main" xmlns:r="http://schemas.openxmlformats.org/officeDocument/2006/relationships" xmlns:p="http://schemas.openxmlformats.org/presentationml/2006/main">
+  <p:cSld>
+    <p:spTree>
+      <p:nvGrpSpPr>
+        <p:cNvPr id="1" name=""/>
+        <p:cNvGrpSpPr/>
+        <p:nvPr/>
+      </p:nvGrpSpPr>
+      <p:grpSpPr>
+        <a:xfrm>
+          <a:off x="0" y="0"/>
+          <a:ext cx="0" cy="0"/>
+          <a:chOff x="0" y="0"/>
+          <a:chExt cx="0" cy="0"/>
+        </a:xfrm>
+      </p:grpSpPr>
+      <p:sp>
+        <p:nvSpPr>
+          <p:cNvPr id="2" name="Slide Image Placeholder 1"/>
+          <p:cNvSpPr>
+            <a:spLocks noGrp="1" noRot="1" noChangeAspect="1"/>
+          </p:cNvSpPr>
+          <p:nvPr>
+            <p:ph type="sldImg"/>
+          </p:nvPr>
+        </p:nvSpPr>
+        <p:spPr/>
+      </p:sp>
+      <p:sp>
+        <p:nvSpPr>
+          <p:cNvPr id="3" name="Notes Placeholder 2"/>
+          <p:cNvSpPr>
+            <a:spLocks noGrp="1"/>
+          </p:cNvSpPr>
+          <p:nvPr>
+            <p:ph type="body" idx="1"/>
+          </p:nvPr>
+        </p:nvSpPr>
+        <p:spPr/>
+        <p:txBody>
+          <a:bodyPr/>
+          <a:lstStyle/>
+          <a:p>
+            <a:endParaRPr lang="en-US" dirty="0"/>
+          </a:p>
+        </p:txBody>
+      </p:sp>
+      <p:sp>
+        <p:nvSpPr>
+          <p:cNvPr id="4" name="Slide Number Placeholder 3"/>
+          <p:cNvSpPr>
+            <a:spLocks noGrp="1"/>
+          </p:cNvSpPr>
+          <p:nvPr>
+            <p:ph type="sldNum" sz="quarter" idx="10"/>
+          </p:nvPr>
+        </p:nvSpPr>
+        <p:spPr/>
+        <p:txBody>
+          <a:bodyPr/>
+          <a:lstStyle/>
+          <a:p>
+            <a:fld id="{802F4FDE-E608-4837-AD92-7859B3E0AEC1}" type="slidenum">
+              <a:rPr lang="en-US" smtClean="0"/>
+              <a:t>18</a:t>
+            </a:fld>
+            <a:endParaRPr lang="en-US"/>
+          </a:p>
+        </p:txBody>
+      </p:sp>
+    </p:spTree>
+    <p:extLst>
+      <p:ext uri="{BB962C8B-B14F-4D97-AF65-F5344CB8AC3E}">
+        <p14:creationId xmlns:p14="http://schemas.microsoft.com/office/powerpoint/2010/main" val="2276334968"/>
       </p:ext>
     </p:extLst>
   </p:cSld>
@@ -13077,6 +13157,268 @@
           <a:chExt cx="0" cy="0"/>
         </a:xfrm>
       </p:grpSpPr>
+      <p:sp>
+        <p:nvSpPr>
+          <p:cNvPr id="25" name="Rectangle 24">
+            <a:extLst>
+              <a:ext uri="{FF2B5EF4-FFF2-40B4-BE49-F238E27FC236}">
+                <a16:creationId xmlns:a16="http://schemas.microsoft.com/office/drawing/2014/main" id="{CEB41C5C-0F34-4DDA-9D7C-5E717F35F60C}"/>
+              </a:ext>
+            </a:extLst>
+          </p:cNvPr>
+          <p:cNvSpPr>
+            <a:spLocks noGrp="1" noRot="1" noChangeAspect="1" noMove="1" noResize="1" noEditPoints="1" noAdjustHandles="1" noChangeArrowheads="1" noChangeShapeType="1" noTextEdit="1"/>
+          </p:cNvSpPr>
+          <p:nvPr>
+            <p:extLst>
+              <p:ext uri="{386F3935-93C4-4BCD-93E2-E3B085C9AB24}">
+                <p16:designElem xmlns:p16="http://schemas.microsoft.com/office/powerpoint/2015/main" val="1"/>
+              </p:ext>
+            </p:extLst>
+          </p:nvPr>
+        </p:nvSpPr>
+        <p:spPr bwMode="ltGray">
+          <a:xfrm>
+            <a:off x="6134677" y="303591"/>
+            <a:ext cx="5735590" cy="5896743"/>
+          </a:xfrm>
+          <a:prstGeom prst="rect">
+            <a:avLst/>
+          </a:prstGeom>
+          <a:solidFill>
+            <a:schemeClr val="tx1">
+              <a:alpha val="15000"/>
+            </a:schemeClr>
+          </a:solidFill>
+          <a:ln w="127000" cap="sq" cmpd="thinThick">
+            <a:solidFill>
+              <a:schemeClr val="tx1">
+                <a:alpha val="10000"/>
+              </a:schemeClr>
+            </a:solidFill>
+          </a:ln>
+        </p:spPr>
+        <p:style>
+          <a:lnRef idx="2">
+            <a:schemeClr val="accent1">
+              <a:shade val="50000"/>
+            </a:schemeClr>
+          </a:lnRef>
+          <a:fillRef idx="1">
+            <a:schemeClr val="accent1"/>
+          </a:fillRef>
+          <a:effectRef idx="0">
+            <a:schemeClr val="accent1"/>
+          </a:effectRef>
+          <a:fontRef idx="minor">
+            <a:schemeClr val="lt1"/>
+          </a:fontRef>
+        </p:style>
+        <p:txBody>
+          <a:bodyPr rtlCol="0" anchor="ctr"/>
+          <a:lstStyle/>
+          <a:p>
+            <a:pPr algn="ctr"/>
+            <a:endParaRPr lang="en-US"/>
+          </a:p>
+        </p:txBody>
+      </p:sp>
+      <p:pic>
+        <p:nvPicPr>
+          <p:cNvPr id="20" name="Picture 19" descr="A screenshot of a cell phone&#10;&#10;Description generated with high confidence">
+            <a:extLst>
+              <a:ext uri="{FF2B5EF4-FFF2-40B4-BE49-F238E27FC236}">
+                <a16:creationId xmlns:a16="http://schemas.microsoft.com/office/drawing/2014/main" id="{EE1FDF4B-08F8-42D1-8CD7-4AF006D36189}"/>
+              </a:ext>
+            </a:extLst>
+          </p:cNvPr>
+          <p:cNvPicPr>
+            <a:picLocks noChangeAspect="1"/>
+          </p:cNvPicPr>
+          <p:nvPr/>
+        </p:nvPicPr>
+        <p:blipFill>
+          <a:blip r:embed="rId2">
+            <a:extLst>
+              <a:ext uri="{28A0092B-C50C-407E-A947-70E740481C1C}">
+                <a14:useLocalDpi xmlns:a14="http://schemas.microsoft.com/office/drawing/2010/main" val="0"/>
+              </a:ext>
+            </a:extLst>
+          </a:blip>
+          <a:stretch>
+            <a:fillRect/>
+          </a:stretch>
+        </p:blipFill>
+        <p:spPr>
+          <a:xfrm>
+            <a:off x="147000" y="2143581"/>
+            <a:ext cx="5811292" cy="2737908"/>
+          </a:xfrm>
+          <a:prstGeom prst="rect">
+            <a:avLst/>
+          </a:prstGeom>
+        </p:spPr>
+      </p:pic>
+      <p:sp>
+        <p:nvSpPr>
+          <p:cNvPr id="2" name="Title 1">
+            <a:extLst>
+              <a:ext uri="{FF2B5EF4-FFF2-40B4-BE49-F238E27FC236}">
+                <a16:creationId xmlns:a16="http://schemas.microsoft.com/office/drawing/2014/main" id="{6C6D470E-3C5C-4A27-B1CB-D457EC28C23C}"/>
+              </a:ext>
+            </a:extLst>
+          </p:cNvPr>
+          <p:cNvSpPr>
+            <a:spLocks noGrp="1"/>
+          </p:cNvSpPr>
+          <p:nvPr>
+            <p:ph type="title"/>
+          </p:nvPr>
+        </p:nvSpPr>
+        <p:spPr>
+          <a:xfrm>
+            <a:off x="6392598" y="640263"/>
+            <a:ext cx="5221266" cy="1344975"/>
+          </a:xfrm>
+        </p:spPr>
+        <p:txBody>
+          <a:bodyPr>
+            <a:normAutofit/>
+          </a:bodyPr>
+          <a:lstStyle/>
+          <a:p>
+            <a:pPr algn="ctr"/>
+            <a:r>
+              <a:rPr lang="en-US" sz="4000"/>
+              <a:t>HTTP Basic Authentication</a:t>
+            </a:r>
+          </a:p>
+        </p:txBody>
+      </p:sp>
+      <p:sp>
+        <p:nvSpPr>
+          <p:cNvPr id="3" name="Content Placeholder 2">
+            <a:extLst>
+              <a:ext uri="{FF2B5EF4-FFF2-40B4-BE49-F238E27FC236}">
+                <a16:creationId xmlns:a16="http://schemas.microsoft.com/office/drawing/2014/main" id="{CFCF3ADA-6D34-491A-8763-BE394811E602}"/>
+              </a:ext>
+            </a:extLst>
+          </p:cNvPr>
+          <p:cNvSpPr>
+            <a:spLocks noGrp="1"/>
+          </p:cNvSpPr>
+          <p:nvPr>
+            <p:ph idx="1"/>
+          </p:nvPr>
+        </p:nvSpPr>
+        <p:spPr>
+          <a:xfrm>
+            <a:off x="6391903" y="2121763"/>
+            <a:ext cx="5235490" cy="3773010"/>
+          </a:xfrm>
+        </p:spPr>
+        <p:txBody>
+          <a:bodyPr>
+            <a:normAutofit lnSpcReduction="10000"/>
+          </a:bodyPr>
+          <a:lstStyle/>
+          <a:p>
+            <a:r>
+              <a:rPr lang="en-US" sz="2000" dirty="0"/>
+              <a:t>Every request contains username and password</a:t>
+            </a:r>
+          </a:p>
+          <a:p>
+            <a:r>
+              <a:rPr lang="en-US" sz="2000" dirty="0"/>
+              <a:t>They are passed in clear text</a:t>
+            </a:r>
+          </a:p>
+          <a:p>
+            <a:r>
+              <a:rPr lang="en-US" sz="2000" dirty="0"/>
+              <a:t>Easy to test in browser</a:t>
+            </a:r>
+          </a:p>
+          <a:p>
+            <a:r>
+              <a:rPr lang="en-US" sz="2000" dirty="0"/>
+              <a:t>The most unsecured approach</a:t>
+            </a:r>
+          </a:p>
+          <a:p>
+            <a:r>
+              <a:rPr lang="en-US" sz="2000" dirty="0"/>
+              <a:t>Authorization header prefixed with the keyword “Digest”</a:t>
+            </a:r>
+          </a:p>
+          <a:p>
+            <a:r>
+              <a:rPr lang="en-US" sz="2000" dirty="0"/>
+              <a:t>Base64 encoded credentials are passed in Authorization header. </a:t>
+            </a:r>
+            <a:br>
+              <a:rPr lang="en-US" sz="2000" dirty="0"/>
+            </a:br>
+            <a:endParaRPr lang="en-US" sz="2000" dirty="0"/>
+          </a:p>
+          <a:p>
+            <a:pPr marL="0" indent="0">
+              <a:buNone/>
+            </a:pPr>
+            <a:r>
+              <a:rPr lang="en-US" sz="2000" dirty="0"/>
+              <a:t>base64-encoded "</a:t>
+            </a:r>
+            <a:r>
+              <a:rPr lang="en-US" sz="2000" dirty="0" err="1"/>
+              <a:t>name:password</a:t>
+            </a:r>
+            <a:r>
+              <a:rPr lang="en-US" sz="2000" dirty="0"/>
+              <a:t>"</a:t>
+            </a:r>
+          </a:p>
+        </p:txBody>
+      </p:sp>
+    </p:spTree>
+    <p:extLst>
+      <p:ext uri="{BB962C8B-B14F-4D97-AF65-F5344CB8AC3E}">
+        <p14:creationId xmlns:p14="http://schemas.microsoft.com/office/powerpoint/2010/main" val="2519903276"/>
+      </p:ext>
+    </p:extLst>
+  </p:cSld>
+  <p:clrMapOvr>
+    <a:masterClrMapping/>
+  </p:clrMapOvr>
+</p:sld>
+</file>
+
+<file path=ppt/slides/slide11.xml><?xml version="1.0" encoding="utf-8"?>
+<p:sld xmlns:a="http://schemas.openxmlformats.org/drawingml/2006/main" xmlns:r="http://schemas.openxmlformats.org/officeDocument/2006/relationships" xmlns:p="http://schemas.openxmlformats.org/presentationml/2006/main">
+  <p:cSld>
+    <p:bg>
+      <p:bgPr>
+        <a:solidFill>
+          <a:schemeClr val="bg1"/>
+        </a:solidFill>
+        <a:effectLst/>
+      </p:bgPr>
+    </p:bg>
+    <p:spTree>
+      <p:nvGrpSpPr>
+        <p:cNvPr id="1" name=""/>
+        <p:cNvGrpSpPr/>
+        <p:nvPr/>
+      </p:nvGrpSpPr>
+      <p:grpSpPr>
+        <a:xfrm>
+          <a:off x="0" y="0"/>
+          <a:ext cx="0" cy="0"/>
+          <a:chOff x="0" y="0"/>
+          <a:chExt cx="0" cy="0"/>
+        </a:xfrm>
+      </p:grpSpPr>
       <p:pic>
         <p:nvPicPr>
           <p:cNvPr id="20" name="Content Placeholder 4">
@@ -13213,7 +13555,7 @@
 </p:sld>
 </file>
 
-<file path=ppt/slides/slide11.xml><?xml version="1.0" encoding="utf-8"?>
+<file path=ppt/slides/slide12.xml><?xml version="1.0" encoding="utf-8"?>
 <p:sld xmlns:a="http://schemas.openxmlformats.org/drawingml/2006/main" xmlns:r="http://schemas.openxmlformats.org/officeDocument/2006/relationships" xmlns:p="http://schemas.openxmlformats.org/presentationml/2006/main">
   <p:cSld>
     <p:bg>
@@ -13511,7 +13853,7 @@
 </p:sld>
 </file>
 
-<file path=ppt/slides/slide12.xml><?xml version="1.0" encoding="utf-8"?>
+<file path=ppt/slides/slide13.xml><?xml version="1.0" encoding="utf-8"?>
 <p:sld xmlns:a="http://schemas.openxmlformats.org/drawingml/2006/main" xmlns:r="http://schemas.openxmlformats.org/officeDocument/2006/relationships" xmlns:p="http://schemas.openxmlformats.org/presentationml/2006/main">
   <p:cSld>
     <p:bg>
@@ -13715,7 +14057,7 @@
 </p:sld>
 </file>
 
-<file path=ppt/slides/slide13.xml><?xml version="1.0" encoding="utf-8"?>
+<file path=ppt/slides/slide14.xml><?xml version="1.0" encoding="utf-8"?>
 <p:sld xmlns:a="http://schemas.openxmlformats.org/drawingml/2006/main" xmlns:r="http://schemas.openxmlformats.org/officeDocument/2006/relationships" xmlns:p="http://schemas.openxmlformats.org/presentationml/2006/main">
   <p:cSld>
     <p:bg>
@@ -13928,7 +14270,7 @@
 </p:sld>
 </file>
 
-<file path=ppt/slides/slide14.xml><?xml version="1.0" encoding="utf-8"?>
+<file path=ppt/slides/slide15.xml><?xml version="1.0" encoding="utf-8"?>
 <p:sld xmlns:a="http://schemas.openxmlformats.org/drawingml/2006/main" xmlns:r="http://schemas.openxmlformats.org/officeDocument/2006/relationships" xmlns:p="http://schemas.openxmlformats.org/presentationml/2006/main">
   <p:cSld>
     <p:bg>
@@ -14181,7 +14523,7 @@
 </p:sld>
 </file>
 
-<file path=ppt/slides/slide15.xml><?xml version="1.0" encoding="utf-8"?>
+<file path=ppt/slides/slide16.xml><?xml version="1.0" encoding="utf-8"?>
 <p:sld xmlns:a="http://schemas.openxmlformats.org/drawingml/2006/main" xmlns:r="http://schemas.openxmlformats.org/officeDocument/2006/relationships" xmlns:p="http://schemas.openxmlformats.org/presentationml/2006/main">
   <p:cSld>
     <p:bg>
@@ -14490,7 +14832,7 @@
 </p:sld>
 </file>
 
-<file path=ppt/slides/slide16.xml><?xml version="1.0" encoding="utf-8"?>
+<file path=ppt/slides/slide17.xml><?xml version="1.0" encoding="utf-8"?>
 <p:sld xmlns:a="http://schemas.openxmlformats.org/drawingml/2006/main" xmlns:r="http://schemas.openxmlformats.org/officeDocument/2006/relationships" xmlns:p="http://schemas.openxmlformats.org/presentationml/2006/main">
   <p:cSld>
     <p:bg>
@@ -14697,7 +15039,7 @@
 </p:sld>
 </file>
 
-<file path=ppt/slides/slide17.xml><?xml version="1.0" encoding="utf-8"?>
+<file path=ppt/slides/slide18.xml><?xml version="1.0" encoding="utf-8"?>
 <p:sld xmlns:a="http://schemas.openxmlformats.org/drawingml/2006/main" xmlns:r="http://schemas.openxmlformats.org/officeDocument/2006/relationships" xmlns:p="http://schemas.openxmlformats.org/presentationml/2006/main">
   <p:cSld>
     <p:spTree>
@@ -14764,7 +15106,7 @@
           </p:nvPr>
         </p:nvPicPr>
         <p:blipFill>
-          <a:blip r:embed="rId2">
+          <a:blip r:embed="rId3">
             <a:extLst>
               <a:ext uri="{28A0092B-C50C-407E-A947-70E740481C1C}">
                 <a14:useLocalDpi xmlns:a14="http://schemas.microsoft.com/office/drawing/2010/main" val="0"/>
@@ -14795,7 +15137,7 @@
 </p:sld>
 </file>
 
-<file path=ppt/slides/slide18.xml><?xml version="1.0" encoding="utf-8"?>
+<file path=ppt/slides/slide19.xml><?xml version="1.0" encoding="utf-8"?>
 <p:sld xmlns:a="http://schemas.openxmlformats.org/drawingml/2006/main" xmlns:r="http://schemas.openxmlformats.org/officeDocument/2006/relationships" xmlns:p="http://schemas.openxmlformats.org/presentationml/2006/main">
   <p:cSld>
     <p:spTree>
@@ -14879,205 +15221,6 @@
     <p:extLst>
       <p:ext uri="{BB962C8B-B14F-4D97-AF65-F5344CB8AC3E}">
         <p14:creationId xmlns:p14="http://schemas.microsoft.com/office/powerpoint/2010/main" val="3712876691"/>
-      </p:ext>
-    </p:extLst>
-  </p:cSld>
-  <p:clrMapOvr>
-    <a:masterClrMapping/>
-  </p:clrMapOvr>
-</p:sld>
-</file>
-
-<file path=ppt/slides/slide19.xml><?xml version="1.0" encoding="utf-8"?>
-<p:sld xmlns:a="http://schemas.openxmlformats.org/drawingml/2006/main" xmlns:r="http://schemas.openxmlformats.org/officeDocument/2006/relationships" xmlns:p="http://schemas.openxmlformats.org/presentationml/2006/main">
-  <p:cSld>
-    <p:bg>
-      <p:bgPr>
-        <a:solidFill>
-          <a:schemeClr val="bg1"/>
-        </a:solidFill>
-        <a:effectLst/>
-      </p:bgPr>
-    </p:bg>
-    <p:spTree>
-      <p:nvGrpSpPr>
-        <p:cNvPr id="1" name=""/>
-        <p:cNvGrpSpPr/>
-        <p:nvPr/>
-      </p:nvGrpSpPr>
-      <p:grpSpPr>
-        <a:xfrm>
-          <a:off x="0" y="0"/>
-          <a:ext cx="0" cy="0"/>
-          <a:chOff x="0" y="0"/>
-          <a:chExt cx="0" cy="0"/>
-        </a:xfrm>
-      </p:grpSpPr>
-      <p:sp>
-        <p:nvSpPr>
-          <p:cNvPr id="16" name="Rectangle 15">
-            <a:extLst>
-              <a:ext uri="{FF2B5EF4-FFF2-40B4-BE49-F238E27FC236}">
-                <a16:creationId xmlns:a16="http://schemas.microsoft.com/office/drawing/2014/main" id="{047C8CCB-F95D-4249-92DD-651249D3535A}"/>
-              </a:ext>
-            </a:extLst>
-          </p:cNvPr>
-          <p:cNvSpPr>
-            <a:spLocks noGrp="1" noRot="1" noChangeAspect="1" noMove="1" noResize="1" noEditPoints="1" noAdjustHandles="1" noChangeArrowheads="1" noChangeShapeType="1" noTextEdit="1"/>
-          </p:cNvSpPr>
-          <p:nvPr>
-            <p:extLst>
-              <p:ext uri="{386F3935-93C4-4BCD-93E2-E3B085C9AB24}">
-                <p16:designElem xmlns:p16="http://schemas.microsoft.com/office/powerpoint/2015/main" val="1"/>
-              </p:ext>
-            </p:extLst>
-          </p:nvPr>
-        </p:nvSpPr>
-        <p:spPr>
-          <a:xfrm>
-            <a:off x="0" y="0"/>
-            <a:ext cx="2013557" cy="6858000"/>
-          </a:xfrm>
-          <a:prstGeom prst="rect">
-            <a:avLst/>
-          </a:prstGeom>
-          <a:solidFill>
-            <a:schemeClr val="tx1">
-              <a:lumMod val="50000"/>
-              <a:lumOff val="50000"/>
-            </a:schemeClr>
-          </a:solidFill>
-          <a:ln>
-            <a:noFill/>
-          </a:ln>
-        </p:spPr>
-        <p:style>
-          <a:lnRef idx="2">
-            <a:schemeClr val="accent1">
-              <a:shade val="50000"/>
-            </a:schemeClr>
-          </a:lnRef>
-          <a:fillRef idx="1">
-            <a:schemeClr val="accent1"/>
-          </a:fillRef>
-          <a:effectRef idx="0">
-            <a:schemeClr val="accent1"/>
-          </a:effectRef>
-          <a:fontRef idx="minor">
-            <a:schemeClr val="lt1"/>
-          </a:fontRef>
-        </p:style>
-        <p:txBody>
-          <a:bodyPr rtlCol="0" anchor="ctr"/>
-          <a:lstStyle/>
-          <a:p>
-            <a:pPr algn="ctr"/>
-            <a:endParaRPr lang="en-US"/>
-          </a:p>
-        </p:txBody>
-      </p:sp>
-      <p:pic>
-        <p:nvPicPr>
-          <p:cNvPr id="11" name="Content Placeholder 10" descr="A screenshot of a social media post&#10;&#10;Description generated with very high confidence">
-            <a:extLst>
-              <a:ext uri="{FF2B5EF4-FFF2-40B4-BE49-F238E27FC236}">
-                <a16:creationId xmlns:a16="http://schemas.microsoft.com/office/drawing/2014/main" id="{4262967A-D99C-4C7B-B991-87CF430505F3}"/>
-              </a:ext>
-            </a:extLst>
-          </p:cNvPr>
-          <p:cNvPicPr>
-            <a:picLocks noGrp="1" noChangeAspect="1"/>
-          </p:cNvPicPr>
-          <p:nvPr>
-            <p:ph idx="1"/>
-          </p:nvPr>
-        </p:nvPicPr>
-        <p:blipFill>
-          <a:blip r:embed="rId2">
-            <a:extLst>
-              <a:ext uri="{28A0092B-C50C-407E-A947-70E740481C1C}">
-                <a14:useLocalDpi xmlns:a14="http://schemas.microsoft.com/office/drawing/2010/main" val="0"/>
-              </a:ext>
-            </a:extLst>
-          </a:blip>
-          <a:stretch>
-            <a:fillRect/>
-          </a:stretch>
-        </p:blipFill>
-        <p:spPr>
-          <a:xfrm>
-            <a:off x="4234375" y="45973"/>
-            <a:ext cx="6555545" cy="6522767"/>
-          </a:xfrm>
-          <a:prstGeom prst="rect">
-            <a:avLst/>
-          </a:prstGeom>
-        </p:spPr>
-      </p:pic>
-      <p:sp>
-        <p:nvSpPr>
-          <p:cNvPr id="2" name="Title 1">
-            <a:extLst>
-              <a:ext uri="{FF2B5EF4-FFF2-40B4-BE49-F238E27FC236}">
-                <a16:creationId xmlns:a16="http://schemas.microsoft.com/office/drawing/2014/main" id="{5DA14374-1F9D-40D6-A0E9-3A399915E3DB}"/>
-              </a:ext>
-            </a:extLst>
-          </p:cNvPr>
-          <p:cNvSpPr>
-            <a:spLocks noGrp="1"/>
-          </p:cNvSpPr>
-          <p:nvPr>
-            <p:ph type="title"/>
-          </p:nvPr>
-        </p:nvSpPr>
-        <p:spPr>
-          <a:xfrm>
-            <a:off x="640080" y="2074363"/>
-            <a:ext cx="2752354" cy="2709275"/>
-          </a:xfrm>
-          <a:prstGeom prst="ellipse">
-            <a:avLst/>
-          </a:prstGeom>
-          <a:solidFill>
-            <a:schemeClr val="tx1">
-              <a:lumMod val="85000"/>
-              <a:lumOff val="15000"/>
-            </a:schemeClr>
-          </a:solidFill>
-          <a:ln w="174625" cmpd="thinThick">
-            <a:solidFill>
-              <a:schemeClr val="tx1">
-                <a:lumMod val="85000"/>
-                <a:lumOff val="15000"/>
-              </a:schemeClr>
-            </a:solidFill>
-          </a:ln>
-        </p:spPr>
-        <p:txBody>
-          <a:bodyPr vert="horz" lIns="91440" tIns="45720" rIns="91440" bIns="45720" rtlCol="0" anchor="ctr">
-            <a:normAutofit/>
-          </a:bodyPr>
-          <a:lstStyle/>
-          <a:p>
-            <a:pPr algn="ctr"/>
-            <a:r>
-              <a:rPr lang="en-US" sz="2600" kern="1200" dirty="0">
-                <a:solidFill>
-                  <a:schemeClr val="bg1"/>
-                </a:solidFill>
-                <a:latin typeface="+mj-lt"/>
-                <a:ea typeface="+mj-ea"/>
-                <a:cs typeface="+mj-cs"/>
-              </a:rPr>
-              <a:t>Login with Facebook</a:t>
-            </a:r>
-          </a:p>
-        </p:txBody>
-      </p:sp>
-    </p:spTree>
-    <p:extLst>
-      <p:ext uri="{BB962C8B-B14F-4D97-AF65-F5344CB8AC3E}">
-        <p14:creationId xmlns:p14="http://schemas.microsoft.com/office/powerpoint/2010/main" val="1303203960"/>
       </p:ext>
     </p:extLst>
   </p:cSld>
@@ -15676,6 +15819,205 @@
 <file path=ppt/slides/slide20.xml><?xml version="1.0" encoding="utf-8"?>
 <p:sld xmlns:a="http://schemas.openxmlformats.org/drawingml/2006/main" xmlns:r="http://schemas.openxmlformats.org/officeDocument/2006/relationships" xmlns:p="http://schemas.openxmlformats.org/presentationml/2006/main">
   <p:cSld>
+    <p:bg>
+      <p:bgPr>
+        <a:solidFill>
+          <a:schemeClr val="bg1"/>
+        </a:solidFill>
+        <a:effectLst/>
+      </p:bgPr>
+    </p:bg>
+    <p:spTree>
+      <p:nvGrpSpPr>
+        <p:cNvPr id="1" name=""/>
+        <p:cNvGrpSpPr/>
+        <p:nvPr/>
+      </p:nvGrpSpPr>
+      <p:grpSpPr>
+        <a:xfrm>
+          <a:off x="0" y="0"/>
+          <a:ext cx="0" cy="0"/>
+          <a:chOff x="0" y="0"/>
+          <a:chExt cx="0" cy="0"/>
+        </a:xfrm>
+      </p:grpSpPr>
+      <p:sp>
+        <p:nvSpPr>
+          <p:cNvPr id="16" name="Rectangle 15">
+            <a:extLst>
+              <a:ext uri="{FF2B5EF4-FFF2-40B4-BE49-F238E27FC236}">
+                <a16:creationId xmlns:a16="http://schemas.microsoft.com/office/drawing/2014/main" id="{047C8CCB-F95D-4249-92DD-651249D3535A}"/>
+              </a:ext>
+            </a:extLst>
+          </p:cNvPr>
+          <p:cNvSpPr>
+            <a:spLocks noGrp="1" noRot="1" noChangeAspect="1" noMove="1" noResize="1" noEditPoints="1" noAdjustHandles="1" noChangeArrowheads="1" noChangeShapeType="1" noTextEdit="1"/>
+          </p:cNvSpPr>
+          <p:nvPr>
+            <p:extLst>
+              <p:ext uri="{386F3935-93C4-4BCD-93E2-E3B085C9AB24}">
+                <p16:designElem xmlns:p16="http://schemas.microsoft.com/office/powerpoint/2015/main" val="1"/>
+              </p:ext>
+            </p:extLst>
+          </p:nvPr>
+        </p:nvSpPr>
+        <p:spPr>
+          <a:xfrm>
+            <a:off x="0" y="0"/>
+            <a:ext cx="2013557" cy="6858000"/>
+          </a:xfrm>
+          <a:prstGeom prst="rect">
+            <a:avLst/>
+          </a:prstGeom>
+          <a:solidFill>
+            <a:schemeClr val="tx1">
+              <a:lumMod val="50000"/>
+              <a:lumOff val="50000"/>
+            </a:schemeClr>
+          </a:solidFill>
+          <a:ln>
+            <a:noFill/>
+          </a:ln>
+        </p:spPr>
+        <p:style>
+          <a:lnRef idx="2">
+            <a:schemeClr val="accent1">
+              <a:shade val="50000"/>
+            </a:schemeClr>
+          </a:lnRef>
+          <a:fillRef idx="1">
+            <a:schemeClr val="accent1"/>
+          </a:fillRef>
+          <a:effectRef idx="0">
+            <a:schemeClr val="accent1"/>
+          </a:effectRef>
+          <a:fontRef idx="minor">
+            <a:schemeClr val="lt1"/>
+          </a:fontRef>
+        </p:style>
+        <p:txBody>
+          <a:bodyPr rtlCol="0" anchor="ctr"/>
+          <a:lstStyle/>
+          <a:p>
+            <a:pPr algn="ctr"/>
+            <a:endParaRPr lang="en-US"/>
+          </a:p>
+        </p:txBody>
+      </p:sp>
+      <p:pic>
+        <p:nvPicPr>
+          <p:cNvPr id="11" name="Content Placeholder 10" descr="A screenshot of a social media post&#10;&#10;Description generated with very high confidence">
+            <a:extLst>
+              <a:ext uri="{FF2B5EF4-FFF2-40B4-BE49-F238E27FC236}">
+                <a16:creationId xmlns:a16="http://schemas.microsoft.com/office/drawing/2014/main" id="{4262967A-D99C-4C7B-B991-87CF430505F3}"/>
+              </a:ext>
+            </a:extLst>
+          </p:cNvPr>
+          <p:cNvPicPr>
+            <a:picLocks noGrp="1" noChangeAspect="1"/>
+          </p:cNvPicPr>
+          <p:nvPr>
+            <p:ph idx="1"/>
+          </p:nvPr>
+        </p:nvPicPr>
+        <p:blipFill>
+          <a:blip r:embed="rId2">
+            <a:extLst>
+              <a:ext uri="{28A0092B-C50C-407E-A947-70E740481C1C}">
+                <a14:useLocalDpi xmlns:a14="http://schemas.microsoft.com/office/drawing/2010/main" val="0"/>
+              </a:ext>
+            </a:extLst>
+          </a:blip>
+          <a:stretch>
+            <a:fillRect/>
+          </a:stretch>
+        </p:blipFill>
+        <p:spPr>
+          <a:xfrm>
+            <a:off x="4234375" y="45973"/>
+            <a:ext cx="6555545" cy="6522767"/>
+          </a:xfrm>
+          <a:prstGeom prst="rect">
+            <a:avLst/>
+          </a:prstGeom>
+        </p:spPr>
+      </p:pic>
+      <p:sp>
+        <p:nvSpPr>
+          <p:cNvPr id="2" name="Title 1">
+            <a:extLst>
+              <a:ext uri="{FF2B5EF4-FFF2-40B4-BE49-F238E27FC236}">
+                <a16:creationId xmlns:a16="http://schemas.microsoft.com/office/drawing/2014/main" id="{5DA14374-1F9D-40D6-A0E9-3A399915E3DB}"/>
+              </a:ext>
+            </a:extLst>
+          </p:cNvPr>
+          <p:cNvSpPr>
+            <a:spLocks noGrp="1"/>
+          </p:cNvSpPr>
+          <p:nvPr>
+            <p:ph type="title"/>
+          </p:nvPr>
+        </p:nvSpPr>
+        <p:spPr>
+          <a:xfrm>
+            <a:off x="640080" y="2074363"/>
+            <a:ext cx="2752354" cy="2709275"/>
+          </a:xfrm>
+          <a:prstGeom prst="ellipse">
+            <a:avLst/>
+          </a:prstGeom>
+          <a:solidFill>
+            <a:schemeClr val="tx1">
+              <a:lumMod val="85000"/>
+              <a:lumOff val="15000"/>
+            </a:schemeClr>
+          </a:solidFill>
+          <a:ln w="174625" cmpd="thinThick">
+            <a:solidFill>
+              <a:schemeClr val="tx1">
+                <a:lumMod val="85000"/>
+                <a:lumOff val="15000"/>
+              </a:schemeClr>
+            </a:solidFill>
+          </a:ln>
+        </p:spPr>
+        <p:txBody>
+          <a:bodyPr vert="horz" lIns="91440" tIns="45720" rIns="91440" bIns="45720" rtlCol="0" anchor="ctr">
+            <a:normAutofit/>
+          </a:bodyPr>
+          <a:lstStyle/>
+          <a:p>
+            <a:pPr algn="ctr"/>
+            <a:r>
+              <a:rPr lang="en-US" sz="2600" kern="1200" dirty="0">
+                <a:solidFill>
+                  <a:schemeClr val="bg1"/>
+                </a:solidFill>
+                <a:latin typeface="+mj-lt"/>
+                <a:ea typeface="+mj-ea"/>
+                <a:cs typeface="+mj-cs"/>
+              </a:rPr>
+              <a:t>Login with Facebook</a:t>
+            </a:r>
+          </a:p>
+        </p:txBody>
+      </p:sp>
+    </p:spTree>
+    <p:extLst>
+      <p:ext uri="{BB962C8B-B14F-4D97-AF65-F5344CB8AC3E}">
+        <p14:creationId xmlns:p14="http://schemas.microsoft.com/office/powerpoint/2010/main" val="1303203960"/>
+      </p:ext>
+    </p:extLst>
+  </p:cSld>
+  <p:clrMapOvr>
+    <a:masterClrMapping/>
+  </p:clrMapOvr>
+</p:sld>
+</file>
+
+<file path=ppt/slides/slide21.xml><?xml version="1.0" encoding="utf-8"?>
+<p:sld xmlns:a="http://schemas.openxmlformats.org/drawingml/2006/main" xmlns:r="http://schemas.openxmlformats.org/officeDocument/2006/relationships" xmlns:p="http://schemas.openxmlformats.org/presentationml/2006/main">
+  <p:cSld>
     <p:spTree>
       <p:nvGrpSpPr>
         <p:cNvPr id="1" name=""/>
@@ -15952,7 +16294,7 @@
 </p:sld>
 </file>
 
-<file path=ppt/slides/slide21.xml><?xml version="1.0" encoding="utf-8"?>
+<file path=ppt/slides/slide22.xml><?xml version="1.0" encoding="utf-8"?>
 <p:sld xmlns:a="http://schemas.openxmlformats.org/drawingml/2006/main" xmlns:r="http://schemas.openxmlformats.org/officeDocument/2006/relationships" xmlns:p="http://schemas.openxmlformats.org/presentationml/2006/main">
   <p:cSld>
     <p:spTree>
@@ -16207,7 +16549,7 @@
 </p:sld>
 </file>
 
-<file path=ppt/slides/slide22.xml><?xml version="1.0" encoding="utf-8"?>
+<file path=ppt/slides/slide23.xml><?xml version="1.0" encoding="utf-8"?>
 <p:sld xmlns:a="http://schemas.openxmlformats.org/drawingml/2006/main" xmlns:r="http://schemas.openxmlformats.org/officeDocument/2006/relationships" xmlns:p="http://schemas.openxmlformats.org/presentationml/2006/main">
   <p:cSld>
     <p:spTree>
@@ -16308,7 +16650,7 @@
 </p:sld>
 </file>
 
-<file path=ppt/slides/slide23.xml><?xml version="1.0" encoding="utf-8"?>
+<file path=ppt/slides/slide24.xml><?xml version="1.0" encoding="utf-8"?>
 <p:sld xmlns:a="http://schemas.openxmlformats.org/drawingml/2006/main" xmlns:r="http://schemas.openxmlformats.org/officeDocument/2006/relationships" xmlns:p="http://schemas.openxmlformats.org/presentationml/2006/main">
   <p:cSld>
     <p:bg>
@@ -17084,6 +17426,362 @@
 </file>
 
 <file path=ppt/slides/slide6.xml><?xml version="1.0" encoding="utf-8"?>
+<p:sld xmlns:a="http://schemas.openxmlformats.org/drawingml/2006/main" xmlns:r="http://schemas.openxmlformats.org/officeDocument/2006/relationships" xmlns:p="http://schemas.openxmlformats.org/presentationml/2006/main">
+  <p:cSld>
+    <p:bg>
+      <p:bgPr>
+        <a:solidFill>
+          <a:srgbClr val="404040"/>
+        </a:solidFill>
+        <a:effectLst/>
+      </p:bgPr>
+    </p:bg>
+    <p:spTree>
+      <p:nvGrpSpPr>
+        <p:cNvPr id="1" name=""/>
+        <p:cNvGrpSpPr/>
+        <p:nvPr/>
+      </p:nvGrpSpPr>
+      <p:grpSpPr>
+        <a:xfrm>
+          <a:off x="0" y="0"/>
+          <a:ext cx="0" cy="0"/>
+          <a:chOff x="0" y="0"/>
+          <a:chExt cx="0" cy="0"/>
+        </a:xfrm>
+      </p:grpSpPr>
+      <p:sp>
+        <p:nvSpPr>
+          <p:cNvPr id="20" name="Rectangle 14">
+            <a:extLst>
+              <a:ext uri="{FF2B5EF4-FFF2-40B4-BE49-F238E27FC236}">
+                <a16:creationId xmlns:a16="http://schemas.microsoft.com/office/drawing/2014/main" id="{EA67B5B4-3A24-436E-B663-1B2EBFF8A0CD}"/>
+              </a:ext>
+            </a:extLst>
+          </p:cNvPr>
+          <p:cNvSpPr>
+            <a:spLocks noGrp="1" noRot="1" noChangeAspect="1" noMove="1" noResize="1" noEditPoints="1" noAdjustHandles="1" noChangeArrowheads="1" noChangeShapeType="1" noTextEdit="1"/>
+          </p:cNvSpPr>
+          <p:nvPr>
+            <p:extLst>
+              <p:ext uri="{386F3935-93C4-4BCD-93E2-E3B085C9AB24}">
+                <p16:designElem xmlns:p16="http://schemas.microsoft.com/office/powerpoint/2015/main" val="1"/>
+              </p:ext>
+            </p:extLst>
+          </p:nvPr>
+        </p:nvSpPr>
+        <p:spPr>
+          <a:xfrm>
+            <a:off x="0" y="-3324"/>
+            <a:ext cx="12192000" cy="6861324"/>
+          </a:xfrm>
+          <a:prstGeom prst="rect">
+            <a:avLst/>
+          </a:prstGeom>
+          <a:solidFill>
+            <a:srgbClr val="404040"/>
+          </a:solidFill>
+          <a:ln>
+            <a:noFill/>
+          </a:ln>
+        </p:spPr>
+        <p:style>
+          <a:lnRef idx="2">
+            <a:schemeClr val="accent1">
+              <a:shade val="50000"/>
+            </a:schemeClr>
+          </a:lnRef>
+          <a:fillRef idx="1">
+            <a:schemeClr val="accent1"/>
+          </a:fillRef>
+          <a:effectRef idx="0">
+            <a:schemeClr val="accent1"/>
+          </a:effectRef>
+          <a:fontRef idx="minor">
+            <a:schemeClr val="lt1"/>
+          </a:fontRef>
+        </p:style>
+        <p:txBody>
+          <a:bodyPr rtlCol="0" anchor="ctr"/>
+          <a:lstStyle/>
+          <a:p>
+            <a:pPr algn="ctr"/>
+            <a:endParaRPr lang="en-US"/>
+          </a:p>
+        </p:txBody>
+      </p:sp>
+      <p:sp>
+        <p:nvSpPr>
+          <p:cNvPr id="21" name="Freeform 13">
+            <a:extLst>
+              <a:ext uri="{FF2B5EF4-FFF2-40B4-BE49-F238E27FC236}">
+                <a16:creationId xmlns:a16="http://schemas.microsoft.com/office/drawing/2014/main" id="{987FDF89-C993-41F4-A1B8-DBAFF16008A9}"/>
+              </a:ext>
+            </a:extLst>
+          </p:cNvPr>
+          <p:cNvSpPr>
+            <a:spLocks noGrp="1" noRot="1" noChangeAspect="1" noMove="1" noResize="1" noEditPoints="1" noAdjustHandles="1" noChangeArrowheads="1" noChangeShapeType="1" noTextEdit="1"/>
+          </p:cNvSpPr>
+          <p:nvPr>
+            <p:extLst>
+              <p:ext uri="{386F3935-93C4-4BCD-93E2-E3B085C9AB24}">
+                <p16:designElem xmlns:p16="http://schemas.microsoft.com/office/powerpoint/2015/main" val="1"/>
+              </p:ext>
+            </p:extLst>
+          </p:nvPr>
+        </p:nvSpPr>
+        <p:spPr>
+          <a:xfrm>
+            <a:off x="0" y="0"/>
+            <a:ext cx="11786754" cy="6858000"/>
+          </a:xfrm>
+          <a:custGeom>
+            <a:avLst/>
+            <a:gdLst>
+              <a:gd name="connsiteX0" fmla="*/ 0 w 11786754"/>
+              <a:gd name="connsiteY0" fmla="*/ 0 h 6858000"/>
+              <a:gd name="connsiteX1" fmla="*/ 8610600 w 11786754"/>
+              <a:gd name="connsiteY1" fmla="*/ 0 h 6858000"/>
+              <a:gd name="connsiteX2" fmla="*/ 11786754 w 11786754"/>
+              <a:gd name="connsiteY2" fmla="*/ 6858000 h 6858000"/>
+              <a:gd name="connsiteX3" fmla="*/ 0 w 11786754"/>
+              <a:gd name="connsiteY3" fmla="*/ 6858000 h 6858000"/>
+            </a:gdLst>
+            <a:ahLst/>
+            <a:cxnLst>
+              <a:cxn ang="0">
+                <a:pos x="connsiteX0" y="connsiteY0"/>
+              </a:cxn>
+              <a:cxn ang="0">
+                <a:pos x="connsiteX1" y="connsiteY1"/>
+              </a:cxn>
+              <a:cxn ang="0">
+                <a:pos x="connsiteX2" y="connsiteY2"/>
+              </a:cxn>
+              <a:cxn ang="0">
+                <a:pos x="connsiteX3" y="connsiteY3"/>
+              </a:cxn>
+            </a:cxnLst>
+            <a:rect l="l" t="t" r="r" b="b"/>
+            <a:pathLst>
+              <a:path w="11786754" h="6858000">
+                <a:moveTo>
+                  <a:pt x="0" y="0"/>
+                </a:moveTo>
+                <a:lnTo>
+                  <a:pt x="8610600" y="0"/>
+                </a:lnTo>
+                <a:lnTo>
+                  <a:pt x="11786754" y="6858000"/>
+                </a:lnTo>
+                <a:lnTo>
+                  <a:pt x="0" y="6858000"/>
+                </a:lnTo>
+                <a:close/>
+              </a:path>
+            </a:pathLst>
+          </a:custGeom>
+          <a:solidFill>
+            <a:schemeClr val="bg1">
+              <a:alpha val="30000"/>
+            </a:schemeClr>
+          </a:solidFill>
+          <a:ln>
+            <a:noFill/>
+          </a:ln>
+        </p:spPr>
+        <p:style>
+          <a:lnRef idx="2">
+            <a:schemeClr val="accent1">
+              <a:shade val="50000"/>
+            </a:schemeClr>
+          </a:lnRef>
+          <a:fillRef idx="1">
+            <a:schemeClr val="accent1"/>
+          </a:fillRef>
+          <a:effectRef idx="0">
+            <a:schemeClr val="accent1"/>
+          </a:effectRef>
+          <a:fontRef idx="minor">
+            <a:schemeClr val="lt1"/>
+          </a:fontRef>
+        </p:style>
+        <p:txBody>
+          <a:bodyPr rtlCol="0" anchor="ctr"/>
+          <a:lstStyle/>
+          <a:p>
+            <a:pPr algn="ctr"/>
+            <a:endParaRPr lang="en-US"/>
+          </a:p>
+        </p:txBody>
+      </p:sp>
+      <p:sp>
+        <p:nvSpPr>
+          <p:cNvPr id="19" name="Freeform 11">
+            <a:extLst>
+              <a:ext uri="{FF2B5EF4-FFF2-40B4-BE49-F238E27FC236}">
+                <a16:creationId xmlns:a16="http://schemas.microsoft.com/office/drawing/2014/main" id="{64E585EA-75FD-4025-8270-F66A58A15CDA}"/>
+              </a:ext>
+            </a:extLst>
+          </p:cNvPr>
+          <p:cNvSpPr>
+            <a:spLocks noGrp="1" noRot="1" noChangeAspect="1" noMove="1" noResize="1" noEditPoints="1" noAdjustHandles="1" noChangeArrowheads="1" noChangeShapeType="1" noTextEdit="1"/>
+          </p:cNvSpPr>
+          <p:nvPr>
+            <p:extLst>
+              <p:ext uri="{386F3935-93C4-4BCD-93E2-E3B085C9AB24}">
+                <p16:designElem xmlns:p16="http://schemas.microsoft.com/office/powerpoint/2015/main" val="1"/>
+              </p:ext>
+            </p:extLst>
+          </p:nvPr>
+        </p:nvSpPr>
+        <p:spPr>
+          <a:xfrm>
+            <a:off x="0" y="0"/>
+            <a:ext cx="3581400" cy="6858000"/>
+          </a:xfrm>
+          <a:custGeom>
+            <a:avLst/>
+            <a:gdLst>
+              <a:gd name="connsiteX0" fmla="*/ 0 w 3581400"/>
+              <a:gd name="connsiteY0" fmla="*/ 0 h 6858000"/>
+              <a:gd name="connsiteX1" fmla="*/ 405246 w 3581400"/>
+              <a:gd name="connsiteY1" fmla="*/ 0 h 6858000"/>
+              <a:gd name="connsiteX2" fmla="*/ 3581400 w 3581400"/>
+              <a:gd name="connsiteY2" fmla="*/ 6858000 h 6858000"/>
+              <a:gd name="connsiteX3" fmla="*/ 0 w 3581400"/>
+              <a:gd name="connsiteY3" fmla="*/ 6858000 h 6858000"/>
+            </a:gdLst>
+            <a:ahLst/>
+            <a:cxnLst>
+              <a:cxn ang="0">
+                <a:pos x="connsiteX0" y="connsiteY0"/>
+              </a:cxn>
+              <a:cxn ang="0">
+                <a:pos x="connsiteX1" y="connsiteY1"/>
+              </a:cxn>
+              <a:cxn ang="0">
+                <a:pos x="connsiteX2" y="connsiteY2"/>
+              </a:cxn>
+              <a:cxn ang="0">
+                <a:pos x="connsiteX3" y="connsiteY3"/>
+              </a:cxn>
+            </a:cxnLst>
+            <a:rect l="l" t="t" r="r" b="b"/>
+            <a:pathLst>
+              <a:path w="3581400" h="6858000">
+                <a:moveTo>
+                  <a:pt x="0" y="0"/>
+                </a:moveTo>
+                <a:lnTo>
+                  <a:pt x="405246" y="0"/>
+                </a:lnTo>
+                <a:lnTo>
+                  <a:pt x="3581400" y="6858000"/>
+                </a:lnTo>
+                <a:lnTo>
+                  <a:pt x="0" y="6858000"/>
+                </a:lnTo>
+                <a:close/>
+              </a:path>
+            </a:pathLst>
+          </a:custGeom>
+          <a:solidFill>
+            <a:schemeClr val="bg1">
+              <a:alpha val="30000"/>
+            </a:schemeClr>
+          </a:solidFill>
+          <a:ln>
+            <a:noFill/>
+          </a:ln>
+        </p:spPr>
+        <p:style>
+          <a:lnRef idx="2">
+            <a:schemeClr val="accent1">
+              <a:shade val="50000"/>
+            </a:schemeClr>
+          </a:lnRef>
+          <a:fillRef idx="1">
+            <a:schemeClr val="accent1"/>
+          </a:fillRef>
+          <a:effectRef idx="0">
+            <a:schemeClr val="accent1"/>
+          </a:effectRef>
+          <a:fontRef idx="minor">
+            <a:schemeClr val="lt1"/>
+          </a:fontRef>
+        </p:style>
+        <p:txBody>
+          <a:bodyPr wrap="square" rtlCol="0" anchor="ctr">
+            <a:noAutofit/>
+          </a:bodyPr>
+          <a:lstStyle/>
+          <a:p>
+            <a:pPr algn="ctr"/>
+            <a:endParaRPr lang="en-US"/>
+          </a:p>
+        </p:txBody>
+      </p:sp>
+      <p:sp>
+        <p:nvSpPr>
+          <p:cNvPr id="3" name="Content Placeholder 2">
+            <a:extLst>
+              <a:ext uri="{FF2B5EF4-FFF2-40B4-BE49-F238E27FC236}">
+                <a16:creationId xmlns:a16="http://schemas.microsoft.com/office/drawing/2014/main" id="{59D06805-C3DF-4242-91C1-503A7BE4161D}"/>
+              </a:ext>
+            </a:extLst>
+          </p:cNvPr>
+          <p:cNvSpPr>
+            <a:spLocks noGrp="1"/>
+          </p:cNvSpPr>
+          <p:nvPr>
+            <p:ph idx="1"/>
+          </p:nvPr>
+        </p:nvSpPr>
+        <p:spPr>
+          <a:xfrm>
+            <a:off x="838201" y="2022602"/>
+            <a:ext cx="10515598" cy="1950308"/>
+          </a:xfrm>
+        </p:spPr>
+        <p:txBody>
+          <a:bodyPr>
+            <a:normAutofit lnSpcReduction="10000"/>
+          </a:bodyPr>
+          <a:lstStyle/>
+          <a:p>
+            <a:pPr marL="0" indent="0">
+              <a:buNone/>
+            </a:pPr>
+            <a:r>
+              <a:rPr lang="en-US" sz="4800" dirty="0"/>
+              <a:t>“</a:t>
+            </a:r>
+            <a:r>
+              <a:rPr lang="en-US" sz="4800" b="1" dirty="0"/>
+              <a:t>Just using GET and POST is not REST. It is just following some basic HTTP standards</a:t>
+            </a:r>
+            <a:r>
+              <a:rPr lang="en-US" sz="4800" dirty="0"/>
+              <a:t>”</a:t>
+            </a:r>
+          </a:p>
+        </p:txBody>
+      </p:sp>
+    </p:spTree>
+    <p:extLst>
+      <p:ext uri="{BB962C8B-B14F-4D97-AF65-F5344CB8AC3E}">
+        <p14:creationId xmlns:p14="http://schemas.microsoft.com/office/powerpoint/2010/main" val="1129146432"/>
+      </p:ext>
+    </p:extLst>
+  </p:cSld>
+  <p:clrMapOvr>
+    <a:overrideClrMapping bg1="dk1" tx1="lt1" bg2="dk2" tx2="lt2" accent1="accent1" accent2="accent2" accent3="accent3" accent4="accent4" accent5="accent5" accent6="accent6" hlink="hlink" folHlink="folHlink"/>
+  </p:clrMapOvr>
+</p:sld>
+</file>
+
+<file path=ppt/slides/slide7.xml><?xml version="1.0" encoding="utf-8"?>
 <p:sld xmlns:a="http://schemas.openxmlformats.org/drawingml/2006/main" xmlns:r="http://schemas.openxmlformats.org/officeDocument/2006/relationships" xmlns:p="http://schemas.openxmlformats.org/presentationml/2006/main">
   <p:cSld>
     <p:bg>
@@ -17785,7 +18483,7 @@
 </p:sld>
 </file>
 
-<file path=ppt/slides/slide7.xml><?xml version="1.0" encoding="utf-8"?>
+<file path=ppt/slides/slide8.xml><?xml version="1.0" encoding="utf-8"?>
 <p:sld xmlns:a="http://schemas.openxmlformats.org/drawingml/2006/main" xmlns:r="http://schemas.openxmlformats.org/officeDocument/2006/relationships" xmlns:p="http://schemas.openxmlformats.org/presentationml/2006/main">
   <p:cSld>
     <p:bg>
@@ -17995,7 +18693,7 @@
 </p:sld>
 </file>
 
-<file path=ppt/slides/slide8.xml><?xml version="1.0" encoding="utf-8"?>
+<file path=ppt/slides/slide9.xml><?xml version="1.0" encoding="utf-8"?>
 <p:sld xmlns:a="http://schemas.openxmlformats.org/drawingml/2006/main" xmlns:r="http://schemas.openxmlformats.org/officeDocument/2006/relationships" xmlns:p="http://schemas.openxmlformats.org/presentationml/2006/main">
   <p:cSld>
     <p:spTree>
@@ -18128,268 +18826,6 @@
     <p:extLst>
       <p:ext uri="{BB962C8B-B14F-4D97-AF65-F5344CB8AC3E}">
         <p14:creationId xmlns:p14="http://schemas.microsoft.com/office/powerpoint/2010/main" val="183179719"/>
-      </p:ext>
-    </p:extLst>
-  </p:cSld>
-  <p:clrMapOvr>
-    <a:masterClrMapping/>
-  </p:clrMapOvr>
-</p:sld>
-</file>
-
-<file path=ppt/slides/slide9.xml><?xml version="1.0" encoding="utf-8"?>
-<p:sld xmlns:a="http://schemas.openxmlformats.org/drawingml/2006/main" xmlns:r="http://schemas.openxmlformats.org/officeDocument/2006/relationships" xmlns:p="http://schemas.openxmlformats.org/presentationml/2006/main">
-  <p:cSld>
-    <p:bg>
-      <p:bgPr>
-        <a:solidFill>
-          <a:schemeClr val="bg1"/>
-        </a:solidFill>
-        <a:effectLst/>
-      </p:bgPr>
-    </p:bg>
-    <p:spTree>
-      <p:nvGrpSpPr>
-        <p:cNvPr id="1" name=""/>
-        <p:cNvGrpSpPr/>
-        <p:nvPr/>
-      </p:nvGrpSpPr>
-      <p:grpSpPr>
-        <a:xfrm>
-          <a:off x="0" y="0"/>
-          <a:ext cx="0" cy="0"/>
-          <a:chOff x="0" y="0"/>
-          <a:chExt cx="0" cy="0"/>
-        </a:xfrm>
-      </p:grpSpPr>
-      <p:sp>
-        <p:nvSpPr>
-          <p:cNvPr id="25" name="Rectangle 24">
-            <a:extLst>
-              <a:ext uri="{FF2B5EF4-FFF2-40B4-BE49-F238E27FC236}">
-                <a16:creationId xmlns:a16="http://schemas.microsoft.com/office/drawing/2014/main" id="{CEB41C5C-0F34-4DDA-9D7C-5E717F35F60C}"/>
-              </a:ext>
-            </a:extLst>
-          </p:cNvPr>
-          <p:cNvSpPr>
-            <a:spLocks noGrp="1" noRot="1" noChangeAspect="1" noMove="1" noResize="1" noEditPoints="1" noAdjustHandles="1" noChangeArrowheads="1" noChangeShapeType="1" noTextEdit="1"/>
-          </p:cNvSpPr>
-          <p:nvPr>
-            <p:extLst>
-              <p:ext uri="{386F3935-93C4-4BCD-93E2-E3B085C9AB24}">
-                <p16:designElem xmlns:p16="http://schemas.microsoft.com/office/powerpoint/2015/main" val="1"/>
-              </p:ext>
-            </p:extLst>
-          </p:nvPr>
-        </p:nvSpPr>
-        <p:spPr bwMode="ltGray">
-          <a:xfrm>
-            <a:off x="6134677" y="303591"/>
-            <a:ext cx="5735590" cy="5896743"/>
-          </a:xfrm>
-          <a:prstGeom prst="rect">
-            <a:avLst/>
-          </a:prstGeom>
-          <a:solidFill>
-            <a:schemeClr val="tx1">
-              <a:alpha val="15000"/>
-            </a:schemeClr>
-          </a:solidFill>
-          <a:ln w="127000" cap="sq" cmpd="thinThick">
-            <a:solidFill>
-              <a:schemeClr val="tx1">
-                <a:alpha val="10000"/>
-              </a:schemeClr>
-            </a:solidFill>
-          </a:ln>
-        </p:spPr>
-        <p:style>
-          <a:lnRef idx="2">
-            <a:schemeClr val="accent1">
-              <a:shade val="50000"/>
-            </a:schemeClr>
-          </a:lnRef>
-          <a:fillRef idx="1">
-            <a:schemeClr val="accent1"/>
-          </a:fillRef>
-          <a:effectRef idx="0">
-            <a:schemeClr val="accent1"/>
-          </a:effectRef>
-          <a:fontRef idx="minor">
-            <a:schemeClr val="lt1"/>
-          </a:fontRef>
-        </p:style>
-        <p:txBody>
-          <a:bodyPr rtlCol="0" anchor="ctr"/>
-          <a:lstStyle/>
-          <a:p>
-            <a:pPr algn="ctr"/>
-            <a:endParaRPr lang="en-US"/>
-          </a:p>
-        </p:txBody>
-      </p:sp>
-      <p:pic>
-        <p:nvPicPr>
-          <p:cNvPr id="20" name="Picture 19" descr="A screenshot of a cell phone&#10;&#10;Description generated with high confidence">
-            <a:extLst>
-              <a:ext uri="{FF2B5EF4-FFF2-40B4-BE49-F238E27FC236}">
-                <a16:creationId xmlns:a16="http://schemas.microsoft.com/office/drawing/2014/main" id="{EE1FDF4B-08F8-42D1-8CD7-4AF006D36189}"/>
-              </a:ext>
-            </a:extLst>
-          </p:cNvPr>
-          <p:cNvPicPr>
-            <a:picLocks noChangeAspect="1"/>
-          </p:cNvPicPr>
-          <p:nvPr/>
-        </p:nvPicPr>
-        <p:blipFill>
-          <a:blip r:embed="rId2">
-            <a:extLst>
-              <a:ext uri="{28A0092B-C50C-407E-A947-70E740481C1C}">
-                <a14:useLocalDpi xmlns:a14="http://schemas.microsoft.com/office/drawing/2010/main" val="0"/>
-              </a:ext>
-            </a:extLst>
-          </a:blip>
-          <a:stretch>
-            <a:fillRect/>
-          </a:stretch>
-        </p:blipFill>
-        <p:spPr>
-          <a:xfrm>
-            <a:off x="147000" y="2143581"/>
-            <a:ext cx="5811292" cy="2737908"/>
-          </a:xfrm>
-          <a:prstGeom prst="rect">
-            <a:avLst/>
-          </a:prstGeom>
-        </p:spPr>
-      </p:pic>
-      <p:sp>
-        <p:nvSpPr>
-          <p:cNvPr id="2" name="Title 1">
-            <a:extLst>
-              <a:ext uri="{FF2B5EF4-FFF2-40B4-BE49-F238E27FC236}">
-                <a16:creationId xmlns:a16="http://schemas.microsoft.com/office/drawing/2014/main" id="{6C6D470E-3C5C-4A27-B1CB-D457EC28C23C}"/>
-              </a:ext>
-            </a:extLst>
-          </p:cNvPr>
-          <p:cNvSpPr>
-            <a:spLocks noGrp="1"/>
-          </p:cNvSpPr>
-          <p:nvPr>
-            <p:ph type="title"/>
-          </p:nvPr>
-        </p:nvSpPr>
-        <p:spPr>
-          <a:xfrm>
-            <a:off x="6392598" y="640263"/>
-            <a:ext cx="5221266" cy="1344975"/>
-          </a:xfrm>
-        </p:spPr>
-        <p:txBody>
-          <a:bodyPr>
-            <a:normAutofit/>
-          </a:bodyPr>
-          <a:lstStyle/>
-          <a:p>
-            <a:pPr algn="ctr"/>
-            <a:r>
-              <a:rPr lang="en-US" sz="4000"/>
-              <a:t>HTTP Basic Authentication</a:t>
-            </a:r>
-          </a:p>
-        </p:txBody>
-      </p:sp>
-      <p:sp>
-        <p:nvSpPr>
-          <p:cNvPr id="3" name="Content Placeholder 2">
-            <a:extLst>
-              <a:ext uri="{FF2B5EF4-FFF2-40B4-BE49-F238E27FC236}">
-                <a16:creationId xmlns:a16="http://schemas.microsoft.com/office/drawing/2014/main" id="{CFCF3ADA-6D34-491A-8763-BE394811E602}"/>
-              </a:ext>
-            </a:extLst>
-          </p:cNvPr>
-          <p:cNvSpPr>
-            <a:spLocks noGrp="1"/>
-          </p:cNvSpPr>
-          <p:nvPr>
-            <p:ph idx="1"/>
-          </p:nvPr>
-        </p:nvSpPr>
-        <p:spPr>
-          <a:xfrm>
-            <a:off x="6391903" y="2121763"/>
-            <a:ext cx="5235490" cy="3773010"/>
-          </a:xfrm>
-        </p:spPr>
-        <p:txBody>
-          <a:bodyPr>
-            <a:normAutofit lnSpcReduction="10000"/>
-          </a:bodyPr>
-          <a:lstStyle/>
-          <a:p>
-            <a:r>
-              <a:rPr lang="en-US" sz="2000" dirty="0"/>
-              <a:t>Every request contains username and password</a:t>
-            </a:r>
-          </a:p>
-          <a:p>
-            <a:r>
-              <a:rPr lang="en-US" sz="2000" dirty="0"/>
-              <a:t>They are passed in clear text</a:t>
-            </a:r>
-          </a:p>
-          <a:p>
-            <a:r>
-              <a:rPr lang="en-US" sz="2000" dirty="0"/>
-              <a:t>Easy to test in browser</a:t>
-            </a:r>
-          </a:p>
-          <a:p>
-            <a:r>
-              <a:rPr lang="en-US" sz="2000" dirty="0"/>
-              <a:t>The most unsecured approach</a:t>
-            </a:r>
-          </a:p>
-          <a:p>
-            <a:r>
-              <a:rPr lang="en-US" sz="2000" dirty="0"/>
-              <a:t>Authorization header prefixed with the keyword “Digest”</a:t>
-            </a:r>
-          </a:p>
-          <a:p>
-            <a:r>
-              <a:rPr lang="en-US" sz="2000" dirty="0"/>
-              <a:t>Base64 encoded credentials are passed in Authorization header. </a:t>
-            </a:r>
-            <a:br>
-              <a:rPr lang="en-US" sz="2000" dirty="0"/>
-            </a:br>
-            <a:endParaRPr lang="en-US" sz="2000" dirty="0"/>
-          </a:p>
-          <a:p>
-            <a:pPr marL="0" indent="0">
-              <a:buNone/>
-            </a:pPr>
-            <a:r>
-              <a:rPr lang="en-US" sz="2000" dirty="0"/>
-              <a:t>base64-encoded "</a:t>
-            </a:r>
-            <a:r>
-              <a:rPr lang="en-US" sz="2000" dirty="0" err="1"/>
-              <a:t>name:password</a:t>
-            </a:r>
-            <a:r>
-              <a:rPr lang="en-US" sz="2000" dirty="0"/>
-              <a:t>"</a:t>
-            </a:r>
-          </a:p>
-        </p:txBody>
-      </p:sp>
-    </p:spTree>
-    <p:extLst>
-      <p:ext uri="{BB962C8B-B14F-4D97-AF65-F5344CB8AC3E}">
-        <p14:creationId xmlns:p14="http://schemas.microsoft.com/office/powerpoint/2010/main" val="2519903276"/>
       </p:ext>
     </p:extLst>
   </p:cSld>

--- a/Web api Security.pptx
+++ b/Web api Security.pptx
@@ -15,8 +15,8 @@
     <p:sldId id="257" r:id="rId6"/>
     <p:sldId id="279" r:id="rId7"/>
     <p:sldId id="262" r:id="rId8"/>
-    <p:sldId id="261" r:id="rId9"/>
-    <p:sldId id="278" r:id="rId10"/>
+    <p:sldId id="278" r:id="rId9"/>
+    <p:sldId id="261" r:id="rId10"/>
     <p:sldId id="263" r:id="rId11"/>
     <p:sldId id="264" r:id="rId12"/>
     <p:sldId id="270" r:id="rId13"/>
@@ -15741,7 +15741,31 @@
           <a:p>
             <a:r>
               <a:rPr lang="en-US" sz="3700" b="1" dirty="0"/>
-              <a:t>Introduction to RESTFUL Web Services (RESTFUL API)</a:t>
+              <a:t>Introduction to </a:t>
+            </a:r>
+            <a:r>
+              <a:rPr lang="en-US" sz="3700" b="1" dirty="0">
+                <a:solidFill>
+                  <a:srgbClr val="FF0000"/>
+                </a:solidFill>
+              </a:rPr>
+              <a:t>RESTFUL</a:t>
+            </a:r>
+            <a:r>
+              <a:rPr lang="en-US" sz="3700" b="1" dirty="0"/>
+              <a:t> Web Services (</a:t>
+            </a:r>
+            <a:r>
+              <a:rPr lang="en-US" sz="3700" b="1" dirty="0">
+                <a:solidFill>
+                  <a:srgbClr val="FF0000"/>
+                </a:solidFill>
+              </a:rPr>
+              <a:t>RESTFUL</a:t>
+            </a:r>
+            <a:r>
+              <a:rPr lang="en-US" sz="3700" b="1" dirty="0"/>
+              <a:t> API)</a:t>
             </a:r>
           </a:p>
         </p:txBody>
@@ -18486,6 +18510,148 @@
 <file path=ppt/slides/slide8.xml><?xml version="1.0" encoding="utf-8"?>
 <p:sld xmlns:a="http://schemas.openxmlformats.org/drawingml/2006/main" xmlns:r="http://schemas.openxmlformats.org/officeDocument/2006/relationships" xmlns:p="http://schemas.openxmlformats.org/presentationml/2006/main">
   <p:cSld>
+    <p:spTree>
+      <p:nvGrpSpPr>
+        <p:cNvPr id="1" name=""/>
+        <p:cNvGrpSpPr/>
+        <p:nvPr/>
+      </p:nvGrpSpPr>
+      <p:grpSpPr>
+        <a:xfrm>
+          <a:off x="0" y="0"/>
+          <a:ext cx="0" cy="0"/>
+          <a:chOff x="0" y="0"/>
+          <a:chExt cx="0" cy="0"/>
+        </a:xfrm>
+      </p:grpSpPr>
+      <p:sp>
+        <p:nvSpPr>
+          <p:cNvPr id="2" name="Title 1">
+            <a:extLst>
+              <a:ext uri="{FF2B5EF4-FFF2-40B4-BE49-F238E27FC236}">
+                <a16:creationId xmlns:a16="http://schemas.microsoft.com/office/drawing/2014/main" id="{4ABDD191-D70B-4654-8B41-9F68C1987DED}"/>
+              </a:ext>
+            </a:extLst>
+          </p:cNvPr>
+          <p:cNvSpPr>
+            <a:spLocks noGrp="1"/>
+          </p:cNvSpPr>
+          <p:nvPr>
+            <p:ph type="title"/>
+          </p:nvPr>
+        </p:nvSpPr>
+        <p:spPr>
+          <a:xfrm>
+            <a:off x="838200" y="365125"/>
+            <a:ext cx="10515600" cy="1325563"/>
+          </a:xfrm>
+        </p:spPr>
+        <p:txBody>
+          <a:bodyPr/>
+          <a:lstStyle/>
+          <a:p>
+            <a:endParaRPr lang="en-US"/>
+          </a:p>
+        </p:txBody>
+      </p:sp>
+      <p:pic>
+        <p:nvPicPr>
+          <p:cNvPr id="5" name="Content Placeholder 4">
+            <a:extLst>
+              <a:ext uri="{FF2B5EF4-FFF2-40B4-BE49-F238E27FC236}">
+                <a16:creationId xmlns:a16="http://schemas.microsoft.com/office/drawing/2014/main" id="{8C351492-AB8A-4CF6-969B-5B3BF48FF19A}"/>
+              </a:ext>
+            </a:extLst>
+          </p:cNvPr>
+          <p:cNvPicPr>
+            <a:picLocks noGrp="1" noChangeAspect="1"/>
+          </p:cNvPicPr>
+          <p:nvPr>
+            <p:ph idx="1"/>
+          </p:nvPr>
+        </p:nvPicPr>
+        <p:blipFill>
+          <a:blip r:embed="rId2">
+            <a:extLst>
+              <a:ext uri="{28A0092B-C50C-407E-A947-70E740481C1C}">
+                <a14:useLocalDpi xmlns:a14="http://schemas.microsoft.com/office/drawing/2010/main" val="0"/>
+              </a:ext>
+            </a:extLst>
+          </a:blip>
+          <a:stretch>
+            <a:fillRect/>
+          </a:stretch>
+        </p:blipFill>
+        <p:spPr>
+          <a:xfrm>
+            <a:off x="6754362" y="2296498"/>
+            <a:ext cx="3788350" cy="2520975"/>
+          </a:xfrm>
+        </p:spPr>
+      </p:pic>
+      <p:sp>
+        <p:nvSpPr>
+          <p:cNvPr id="6" name="TextBox 5">
+            <a:extLst>
+              <a:ext uri="{FF2B5EF4-FFF2-40B4-BE49-F238E27FC236}">
+                <a16:creationId xmlns:a16="http://schemas.microsoft.com/office/drawing/2014/main" id="{ACD8418D-83C7-48B7-BE99-9C3D95DDE616}"/>
+              </a:ext>
+            </a:extLst>
+          </p:cNvPr>
+          <p:cNvSpPr txBox="1"/>
+          <p:nvPr/>
+        </p:nvSpPr>
+        <p:spPr>
+          <a:xfrm>
+            <a:off x="838200" y="2398642"/>
+            <a:ext cx="5085522" cy="1938992"/>
+          </a:xfrm>
+          <a:prstGeom prst="rect">
+            <a:avLst/>
+          </a:prstGeom>
+          <a:noFill/>
+        </p:spPr>
+        <p:txBody>
+          <a:bodyPr wrap="square" rtlCol="0">
+            <a:spAutoFit/>
+          </a:bodyPr>
+          <a:lstStyle/>
+          <a:p>
+            <a:r>
+              <a:rPr lang="en-US" sz="4000" b="1" dirty="0"/>
+              <a:t>REST API is suffering from a disease called “</a:t>
+            </a:r>
+            <a:r>
+              <a:rPr lang="en-US" sz="4000" b="1" dirty="0">
+                <a:solidFill>
+                  <a:srgbClr val="FF0000"/>
+                </a:solidFill>
+              </a:rPr>
+              <a:t>Short Term Memory</a:t>
+            </a:r>
+            <a:r>
+              <a:rPr lang="en-US" sz="4000" b="1" dirty="0"/>
+              <a:t>”</a:t>
+            </a:r>
+          </a:p>
+        </p:txBody>
+      </p:sp>
+    </p:spTree>
+    <p:extLst>
+      <p:ext uri="{BB962C8B-B14F-4D97-AF65-F5344CB8AC3E}">
+        <p14:creationId xmlns:p14="http://schemas.microsoft.com/office/powerpoint/2010/main" val="183179719"/>
+      </p:ext>
+    </p:extLst>
+  </p:cSld>
+  <p:clrMapOvr>
+    <a:masterClrMapping/>
+  </p:clrMapOvr>
+</p:sld>
+</file>
+
+<file path=ppt/slides/slide9.xml><?xml version="1.0" encoding="utf-8"?>
+<p:sld xmlns:a="http://schemas.openxmlformats.org/drawingml/2006/main" xmlns:r="http://schemas.openxmlformats.org/officeDocument/2006/relationships" xmlns:p="http://schemas.openxmlformats.org/presentationml/2006/main">
+  <p:cSld>
     <p:bg>
       <p:bgPr>
         <a:solidFill>
@@ -18684,148 +18850,6 @@
     <p:extLst>
       <p:ext uri="{BB962C8B-B14F-4D97-AF65-F5344CB8AC3E}">
         <p14:creationId xmlns:p14="http://schemas.microsoft.com/office/powerpoint/2010/main" val="1065592153"/>
-      </p:ext>
-    </p:extLst>
-  </p:cSld>
-  <p:clrMapOvr>
-    <a:masterClrMapping/>
-  </p:clrMapOvr>
-</p:sld>
-</file>
-
-<file path=ppt/slides/slide9.xml><?xml version="1.0" encoding="utf-8"?>
-<p:sld xmlns:a="http://schemas.openxmlformats.org/drawingml/2006/main" xmlns:r="http://schemas.openxmlformats.org/officeDocument/2006/relationships" xmlns:p="http://schemas.openxmlformats.org/presentationml/2006/main">
-  <p:cSld>
-    <p:spTree>
-      <p:nvGrpSpPr>
-        <p:cNvPr id="1" name=""/>
-        <p:cNvGrpSpPr/>
-        <p:nvPr/>
-      </p:nvGrpSpPr>
-      <p:grpSpPr>
-        <a:xfrm>
-          <a:off x="0" y="0"/>
-          <a:ext cx="0" cy="0"/>
-          <a:chOff x="0" y="0"/>
-          <a:chExt cx="0" cy="0"/>
-        </a:xfrm>
-      </p:grpSpPr>
-      <p:sp>
-        <p:nvSpPr>
-          <p:cNvPr id="2" name="Title 1">
-            <a:extLst>
-              <a:ext uri="{FF2B5EF4-FFF2-40B4-BE49-F238E27FC236}">
-                <a16:creationId xmlns:a16="http://schemas.microsoft.com/office/drawing/2014/main" id="{4ABDD191-D70B-4654-8B41-9F68C1987DED}"/>
-              </a:ext>
-            </a:extLst>
-          </p:cNvPr>
-          <p:cNvSpPr>
-            <a:spLocks noGrp="1"/>
-          </p:cNvSpPr>
-          <p:nvPr>
-            <p:ph type="title"/>
-          </p:nvPr>
-        </p:nvSpPr>
-        <p:spPr>
-          <a:xfrm>
-            <a:off x="838200" y="365125"/>
-            <a:ext cx="10515600" cy="1325563"/>
-          </a:xfrm>
-        </p:spPr>
-        <p:txBody>
-          <a:bodyPr/>
-          <a:lstStyle/>
-          <a:p>
-            <a:endParaRPr lang="en-US"/>
-          </a:p>
-        </p:txBody>
-      </p:sp>
-      <p:pic>
-        <p:nvPicPr>
-          <p:cNvPr id="5" name="Content Placeholder 4">
-            <a:extLst>
-              <a:ext uri="{FF2B5EF4-FFF2-40B4-BE49-F238E27FC236}">
-                <a16:creationId xmlns:a16="http://schemas.microsoft.com/office/drawing/2014/main" id="{8C351492-AB8A-4CF6-969B-5B3BF48FF19A}"/>
-              </a:ext>
-            </a:extLst>
-          </p:cNvPr>
-          <p:cNvPicPr>
-            <a:picLocks noGrp="1" noChangeAspect="1"/>
-          </p:cNvPicPr>
-          <p:nvPr>
-            <p:ph idx="1"/>
-          </p:nvPr>
-        </p:nvPicPr>
-        <p:blipFill>
-          <a:blip r:embed="rId2">
-            <a:extLst>
-              <a:ext uri="{28A0092B-C50C-407E-A947-70E740481C1C}">
-                <a14:useLocalDpi xmlns:a14="http://schemas.microsoft.com/office/drawing/2010/main" val="0"/>
-              </a:ext>
-            </a:extLst>
-          </a:blip>
-          <a:stretch>
-            <a:fillRect/>
-          </a:stretch>
-        </p:blipFill>
-        <p:spPr>
-          <a:xfrm>
-            <a:off x="6754362" y="2296498"/>
-            <a:ext cx="3788350" cy="2520975"/>
-          </a:xfrm>
-        </p:spPr>
-      </p:pic>
-      <p:sp>
-        <p:nvSpPr>
-          <p:cNvPr id="6" name="TextBox 5">
-            <a:extLst>
-              <a:ext uri="{FF2B5EF4-FFF2-40B4-BE49-F238E27FC236}">
-                <a16:creationId xmlns:a16="http://schemas.microsoft.com/office/drawing/2014/main" id="{ACD8418D-83C7-48B7-BE99-9C3D95DDE616}"/>
-              </a:ext>
-            </a:extLst>
-          </p:cNvPr>
-          <p:cNvSpPr txBox="1"/>
-          <p:nvPr/>
-        </p:nvSpPr>
-        <p:spPr>
-          <a:xfrm>
-            <a:off x="838200" y="2398642"/>
-            <a:ext cx="5085522" cy="1938992"/>
-          </a:xfrm>
-          <a:prstGeom prst="rect">
-            <a:avLst/>
-          </a:prstGeom>
-          <a:noFill/>
-        </p:spPr>
-        <p:txBody>
-          <a:bodyPr wrap="square" rtlCol="0">
-            <a:spAutoFit/>
-          </a:bodyPr>
-          <a:lstStyle/>
-          <a:p>
-            <a:r>
-              <a:rPr lang="en-US" sz="4000" b="1" dirty="0"/>
-              <a:t>REST API is suffering from a disease called “</a:t>
-            </a:r>
-            <a:r>
-              <a:rPr lang="en-US" sz="4000" b="1" dirty="0">
-                <a:solidFill>
-                  <a:srgbClr val="FF0000"/>
-                </a:solidFill>
-              </a:rPr>
-              <a:t>Short Term Memory</a:t>
-            </a:r>
-            <a:r>
-              <a:rPr lang="en-US" sz="4000" b="1" dirty="0"/>
-              <a:t>”</a:t>
-            </a:r>
-          </a:p>
-        </p:txBody>
-      </p:sp>
-    </p:spTree>
-    <p:extLst>
-      <p:ext uri="{BB962C8B-B14F-4D97-AF65-F5344CB8AC3E}">
-        <p14:creationId xmlns:p14="http://schemas.microsoft.com/office/powerpoint/2010/main" val="183179719"/>
       </p:ext>
     </p:extLst>
   </p:cSld>

--- a/Web api Security.pptx
+++ b/Web api Security.pptx
@@ -5,7 +5,7 @@
     <p:sldMasterId id="2147483648" r:id="rId1"/>
   </p:sldMasterIdLst>
   <p:notesMasterIdLst>
-    <p:notesMasterId r:id="rId26"/>
+    <p:notesMasterId r:id="rId27"/>
   </p:notesMasterIdLst>
   <p:sldIdLst>
     <p:sldId id="256" r:id="rId2"/>
@@ -32,6 +32,7 @@
     <p:sldId id="274" r:id="rId23"/>
     <p:sldId id="276" r:id="rId24"/>
     <p:sldId id="275" r:id="rId25"/>
+    <p:sldId id="280" r:id="rId26"/>
   </p:sldIdLst>
   <p:sldSz cx="12192000" cy="6858000"/>
   <p:notesSz cx="6858000" cy="9144000"/>
@@ -16852,6 +16853,266 @@
 </p:sld>
 </file>
 
+<file path=ppt/slides/slide25.xml><?xml version="1.0" encoding="utf-8"?>
+<p:sld xmlns:a="http://schemas.openxmlformats.org/drawingml/2006/main" xmlns:r="http://schemas.openxmlformats.org/officeDocument/2006/relationships" xmlns:p="http://schemas.openxmlformats.org/presentationml/2006/main">
+  <p:cSld>
+    <p:bg>
+      <p:bgPr>
+        <a:solidFill>
+          <a:schemeClr val="tx1"/>
+        </a:solidFill>
+        <a:effectLst/>
+      </p:bgPr>
+    </p:bg>
+    <p:spTree>
+      <p:nvGrpSpPr>
+        <p:cNvPr id="1" name=""/>
+        <p:cNvGrpSpPr/>
+        <p:nvPr/>
+      </p:nvGrpSpPr>
+      <p:grpSpPr>
+        <a:xfrm>
+          <a:off x="0" y="0"/>
+          <a:ext cx="0" cy="0"/>
+          <a:chOff x="0" y="0"/>
+          <a:chExt cx="0" cy="0"/>
+        </a:xfrm>
+      </p:grpSpPr>
+      <p:sp>
+        <p:nvSpPr>
+          <p:cNvPr id="17" name="Rectangle 16">
+            <a:extLst>
+              <a:ext uri="{FF2B5EF4-FFF2-40B4-BE49-F238E27FC236}">
+                <a16:creationId xmlns:a16="http://schemas.microsoft.com/office/drawing/2014/main" id="{2A8AA5BC-4F7A-4226-8F99-6D824B226A97}"/>
+              </a:ext>
+            </a:extLst>
+          </p:cNvPr>
+          <p:cNvSpPr>
+            <a:spLocks noGrp="1" noRot="1" noChangeAspect="1" noMove="1" noResize="1" noEditPoints="1" noAdjustHandles="1" noChangeArrowheads="1" noChangeShapeType="1" noTextEdit="1"/>
+          </p:cNvSpPr>
+          <p:nvPr>
+            <p:extLst>
+              <p:ext uri="{386F3935-93C4-4BCD-93E2-E3B085C9AB24}">
+                <p16:designElem xmlns:p16="http://schemas.microsoft.com/office/powerpoint/2015/main" val="1"/>
+              </p:ext>
+            </p:extLst>
+          </p:nvPr>
+        </p:nvSpPr>
+        <p:spPr>
+          <a:xfrm>
+            <a:off x="0" y="-3324"/>
+            <a:ext cx="12192000" cy="6861324"/>
+          </a:xfrm>
+          <a:prstGeom prst="rect">
+            <a:avLst/>
+          </a:prstGeom>
+          <a:solidFill>
+            <a:schemeClr val="tx1"/>
+          </a:solidFill>
+          <a:ln>
+            <a:noFill/>
+          </a:ln>
+        </p:spPr>
+        <p:style>
+          <a:lnRef idx="2">
+            <a:schemeClr val="accent1">
+              <a:shade val="50000"/>
+            </a:schemeClr>
+          </a:lnRef>
+          <a:fillRef idx="1">
+            <a:schemeClr val="accent1"/>
+          </a:fillRef>
+          <a:effectRef idx="0">
+            <a:schemeClr val="accent1"/>
+          </a:effectRef>
+          <a:fontRef idx="minor">
+            <a:schemeClr val="lt1"/>
+          </a:fontRef>
+        </p:style>
+        <p:txBody>
+          <a:bodyPr rtlCol="0" anchor="ctr"/>
+          <a:lstStyle/>
+          <a:p>
+            <a:pPr algn="ctr"/>
+            <a:endParaRPr lang="en-US"/>
+          </a:p>
+        </p:txBody>
+      </p:sp>
+      <p:sp>
+        <p:nvSpPr>
+          <p:cNvPr id="19" name="Rectangle 18">
+            <a:extLst>
+              <a:ext uri="{FF2B5EF4-FFF2-40B4-BE49-F238E27FC236}">
+                <a16:creationId xmlns:a16="http://schemas.microsoft.com/office/drawing/2014/main" id="{3E5445C6-DD42-4979-86FF-03730E8C6DB0}"/>
+              </a:ext>
+            </a:extLst>
+          </p:cNvPr>
+          <p:cNvSpPr>
+            <a:spLocks noGrp="1" noRot="1" noChangeAspect="1" noMove="1" noResize="1" noEditPoints="1" noAdjustHandles="1" noChangeArrowheads="1" noChangeShapeType="1" noTextEdit="1"/>
+          </p:cNvSpPr>
+          <p:nvPr>
+            <p:extLst>
+              <p:ext uri="{386F3935-93C4-4BCD-93E2-E3B085C9AB24}">
+                <p16:designElem xmlns:p16="http://schemas.microsoft.com/office/powerpoint/2015/main" val="1"/>
+              </p:ext>
+            </p:extLst>
+          </p:nvPr>
+        </p:nvSpPr>
+        <p:spPr bwMode="ltGray">
+          <a:xfrm>
+            <a:off x="321734" y="321733"/>
+            <a:ext cx="11573488" cy="6214534"/>
+          </a:xfrm>
+          <a:prstGeom prst="rect">
+            <a:avLst/>
+          </a:prstGeom>
+          <a:solidFill>
+            <a:schemeClr val="bg1">
+              <a:lumMod val="75000"/>
+              <a:lumOff val="25000"/>
+            </a:schemeClr>
+          </a:solidFill>
+          <a:ln w="127000" cap="sq" cmpd="thinThick">
+            <a:solidFill>
+              <a:schemeClr val="bg1">
+                <a:lumMod val="75000"/>
+                <a:lumOff val="25000"/>
+              </a:schemeClr>
+            </a:solidFill>
+          </a:ln>
+        </p:spPr>
+        <p:style>
+          <a:lnRef idx="2">
+            <a:schemeClr val="accent1">
+              <a:shade val="50000"/>
+            </a:schemeClr>
+          </a:lnRef>
+          <a:fillRef idx="1">
+            <a:schemeClr val="accent1"/>
+          </a:fillRef>
+          <a:effectRef idx="0">
+            <a:schemeClr val="accent1"/>
+          </a:effectRef>
+          <a:fontRef idx="minor">
+            <a:schemeClr val="lt1"/>
+          </a:fontRef>
+        </p:style>
+        <p:txBody>
+          <a:bodyPr rtlCol="0" anchor="ctr"/>
+          <a:lstStyle/>
+          <a:p>
+            <a:pPr algn="ctr"/>
+            <a:endParaRPr lang="en-US"/>
+          </a:p>
+        </p:txBody>
+      </p:sp>
+      <p:cxnSp>
+        <p:nvCxnSpPr>
+          <p:cNvPr id="21" name="Straight Connector 20">
+            <a:extLst>
+              <a:ext uri="{FF2B5EF4-FFF2-40B4-BE49-F238E27FC236}">
+                <a16:creationId xmlns:a16="http://schemas.microsoft.com/office/drawing/2014/main" id="{45000665-DFC7-417E-8FD7-516A0F15C975}"/>
+              </a:ext>
+            </a:extLst>
+          </p:cNvPr>
+          <p:cNvCxnSpPr>
+            <a:cxnSpLocks noGrp="1" noRot="1" noChangeAspect="1" noMove="1" noResize="1" noEditPoints="1" noAdjustHandles="1" noChangeArrowheads="1" noChangeShapeType="1"/>
+          </p:cNvCxnSpPr>
+          <p:nvPr>
+            <p:extLst>
+              <p:ext uri="{386F3935-93C4-4BCD-93E2-E3B085C9AB24}">
+                <p16:designElem xmlns:p16="http://schemas.microsoft.com/office/powerpoint/2015/main" val="1"/>
+              </p:ext>
+            </p:extLst>
+          </p:nvPr>
+        </p:nvCxnSpPr>
+        <p:spPr>
+          <a:xfrm>
+            <a:off x="4724400" y="4109417"/>
+            <a:ext cx="2743200" cy="0"/>
+          </a:xfrm>
+          <a:prstGeom prst="line">
+            <a:avLst/>
+          </a:prstGeom>
+          <a:ln w="12700">
+            <a:solidFill>
+              <a:schemeClr val="tx1">
+                <a:lumMod val="85000"/>
+              </a:schemeClr>
+            </a:solidFill>
+          </a:ln>
+        </p:spPr>
+        <p:style>
+          <a:lnRef idx="1">
+            <a:schemeClr val="accent1"/>
+          </a:lnRef>
+          <a:fillRef idx="0">
+            <a:schemeClr val="accent1"/>
+          </a:fillRef>
+          <a:effectRef idx="0">
+            <a:schemeClr val="accent1"/>
+          </a:effectRef>
+          <a:fontRef idx="minor">
+            <a:schemeClr val="tx1"/>
+          </a:fontRef>
+        </p:style>
+      </p:cxnSp>
+      <p:sp>
+        <p:nvSpPr>
+          <p:cNvPr id="2" name="Title 1">
+            <a:extLst>
+              <a:ext uri="{FF2B5EF4-FFF2-40B4-BE49-F238E27FC236}">
+                <a16:creationId xmlns:a16="http://schemas.microsoft.com/office/drawing/2014/main" id="{3043034A-0733-4645-AA86-825256D715FB}"/>
+              </a:ext>
+            </a:extLst>
+          </p:cNvPr>
+          <p:cNvSpPr>
+            <a:spLocks noGrp="1"/>
+          </p:cNvSpPr>
+          <p:nvPr>
+            <p:ph type="title"/>
+          </p:nvPr>
+        </p:nvSpPr>
+        <p:spPr>
+          <a:xfrm>
+            <a:off x="1524000" y="1122362"/>
+            <a:ext cx="9144000" cy="2840037"/>
+          </a:xfrm>
+        </p:spPr>
+        <p:txBody>
+          <a:bodyPr vert="horz" lIns="91440" tIns="45720" rIns="91440" bIns="45720" rtlCol="0" anchor="b">
+            <a:normAutofit/>
+          </a:bodyPr>
+          <a:lstStyle/>
+          <a:p>
+            <a:pPr algn="ctr"/>
+            <a:r>
+              <a:rPr lang="en-US" sz="5800" kern="1200">
+                <a:solidFill>
+                  <a:schemeClr val="tx1"/>
+                </a:solidFill>
+                <a:latin typeface="+mj-lt"/>
+                <a:ea typeface="+mj-ea"/>
+                <a:cs typeface="+mj-cs"/>
+              </a:rPr>
+              <a:t>Thank You.</a:t>
+            </a:r>
+          </a:p>
+        </p:txBody>
+      </p:sp>
+    </p:spTree>
+    <p:extLst>
+      <p:ext uri="{BB962C8B-B14F-4D97-AF65-F5344CB8AC3E}">
+        <p14:creationId xmlns:p14="http://schemas.microsoft.com/office/powerpoint/2010/main" val="1189487284"/>
+      </p:ext>
+    </p:extLst>
+  </p:cSld>
+  <p:clrMapOvr>
+    <a:overrideClrMapping bg1="dk1" tx1="lt1" bg2="dk2" tx2="lt2" accent1="accent1" accent2="accent2" accent3="accent3" accent4="accent4" accent5="accent5" accent6="accent6" hlink="hlink" folHlink="folHlink"/>
+  </p:clrMapOvr>
+</p:sld>
+</file>
+
 <file path=ppt/slides/slide3.xml><?xml version="1.0" encoding="utf-8"?>
 <p:sld xmlns:a="http://schemas.openxmlformats.org/drawingml/2006/main" xmlns:r="http://schemas.openxmlformats.org/officeDocument/2006/relationships" xmlns:p="http://schemas.openxmlformats.org/presentationml/2006/main">
   <p:cSld>

--- a/Web api Security.pptx
+++ b/Web api Security.pptx
@@ -8723,7 +8723,7 @@
           <a:p>
             <a:fld id="{469763C8-8C7F-46D5-95A0-1B5EDD06F8BE}" type="datetimeFigureOut">
               <a:rPr lang="en-US" smtClean="0"/>
-              <a:t>12/14/2017</a:t>
+              <a:t>12/15/2017</a:t>
             </a:fld>
             <a:endParaRPr lang="en-US"/>
           </a:p>
@@ -9034,7 +9034,15 @@
           <a:bodyPr/>
           <a:lstStyle/>
           <a:p>
-            <a:endParaRPr lang="en-US" dirty="0"/>
+            <a:r>
+              <a:rPr lang="en-US" sz="1200" dirty="0"/>
+              <a:t>base64-encoded not encrypted </a:t>
+            </a:r>
+            <a:r>
+              <a:rPr lang="en-US" sz="1200"/>
+              <a:t>or hashed</a:t>
+            </a:r>
+            <a:endParaRPr lang="en-US"/>
           </a:p>
         </p:txBody>
       </p:sp>
@@ -9055,7 +9063,7 @@
           <a:p>
             <a:fld id="{802F4FDE-E608-4837-AD92-7859B3E0AEC1}" type="slidenum">
               <a:rPr lang="en-US" smtClean="0"/>
-              <a:t>11</a:t>
+              <a:t>10</a:t>
             </a:fld>
             <a:endParaRPr lang="en-US"/>
           </a:p>
@@ -9064,7 +9072,7 @@
     </p:spTree>
     <p:extLst>
       <p:ext uri="{BB962C8B-B14F-4D97-AF65-F5344CB8AC3E}">
-        <p14:creationId xmlns:p14="http://schemas.microsoft.com/office/powerpoint/2010/main" val="3597500835"/>
+        <p14:creationId xmlns:p14="http://schemas.microsoft.com/office/powerpoint/2010/main" val="4120923283"/>
       </p:ext>
     </p:extLst>
   </p:cSld>
@@ -9118,21 +9126,6 @@
           <a:bodyPr/>
           <a:lstStyle/>
           <a:p>
-            <a:r>
-              <a:rPr lang="en-US" dirty="0"/>
-              <a:t>-&gt;The resource owner is the person or application that owns the data that is to be shared. For instance, a user on Facebook or Google could be a resource owner.</a:t>
-            </a:r>
-          </a:p>
-          <a:p>
-            <a:endParaRPr lang="en-US" dirty="0"/>
-          </a:p>
-          <a:p>
-            <a:r>
-              <a:rPr lang="en-US" dirty="0"/>
-              <a:t>-&gt;The resource server is the server hosting the resources. For instance, Facebook or Google is a resource server (or has a resource server). </a:t>
-            </a:r>
-          </a:p>
-          <a:p>
             <a:endParaRPr lang="en-US" dirty="0"/>
           </a:p>
         </p:txBody>
@@ -9154,6 +9147,105 @@
           <a:p>
             <a:fld id="{802F4FDE-E608-4837-AD92-7859B3E0AEC1}" type="slidenum">
               <a:rPr lang="en-US" smtClean="0"/>
+              <a:t>11</a:t>
+            </a:fld>
+            <a:endParaRPr lang="en-US"/>
+          </a:p>
+        </p:txBody>
+      </p:sp>
+    </p:spTree>
+    <p:extLst>
+      <p:ext uri="{BB962C8B-B14F-4D97-AF65-F5344CB8AC3E}">
+        <p14:creationId xmlns:p14="http://schemas.microsoft.com/office/powerpoint/2010/main" val="3597500835"/>
+      </p:ext>
+    </p:extLst>
+  </p:cSld>
+  <p:clrMapOvr>
+    <a:masterClrMapping/>
+  </p:clrMapOvr>
+</p:notes>
+</file>
+
+<file path=ppt/notesSlides/notesSlide3.xml><?xml version="1.0" encoding="utf-8"?>
+<p:notes xmlns:a="http://schemas.openxmlformats.org/drawingml/2006/main" xmlns:r="http://schemas.openxmlformats.org/officeDocument/2006/relationships" xmlns:p="http://schemas.openxmlformats.org/presentationml/2006/main">
+  <p:cSld>
+    <p:spTree>
+      <p:nvGrpSpPr>
+        <p:cNvPr id="1" name=""/>
+        <p:cNvGrpSpPr/>
+        <p:nvPr/>
+      </p:nvGrpSpPr>
+      <p:grpSpPr>
+        <a:xfrm>
+          <a:off x="0" y="0"/>
+          <a:ext cx="0" cy="0"/>
+          <a:chOff x="0" y="0"/>
+          <a:chExt cx="0" cy="0"/>
+        </a:xfrm>
+      </p:grpSpPr>
+      <p:sp>
+        <p:nvSpPr>
+          <p:cNvPr id="2" name="Slide Image Placeholder 1"/>
+          <p:cNvSpPr>
+            <a:spLocks noGrp="1" noRot="1" noChangeAspect="1"/>
+          </p:cNvSpPr>
+          <p:nvPr>
+            <p:ph type="sldImg"/>
+          </p:nvPr>
+        </p:nvSpPr>
+        <p:spPr/>
+      </p:sp>
+      <p:sp>
+        <p:nvSpPr>
+          <p:cNvPr id="3" name="Notes Placeholder 2"/>
+          <p:cNvSpPr>
+            <a:spLocks noGrp="1"/>
+          </p:cNvSpPr>
+          <p:nvPr>
+            <p:ph type="body" idx="1"/>
+          </p:nvPr>
+        </p:nvSpPr>
+        <p:spPr/>
+        <p:txBody>
+          <a:bodyPr/>
+          <a:lstStyle/>
+          <a:p>
+            <a:r>
+              <a:rPr lang="en-US" dirty="0"/>
+              <a:t>-&gt;The resource owner is the person or application that owns the data that is to be shared. For instance, a user on Facebook or Google could be a resource owner.</a:t>
+            </a:r>
+          </a:p>
+          <a:p>
+            <a:endParaRPr lang="en-US" dirty="0"/>
+          </a:p>
+          <a:p>
+            <a:r>
+              <a:rPr lang="en-US" dirty="0"/>
+              <a:t>-&gt;The resource server is the server hosting the resources. For instance, Facebook or Google is a resource server (or has a resource server). </a:t>
+            </a:r>
+          </a:p>
+          <a:p>
+            <a:endParaRPr lang="en-US" dirty="0"/>
+          </a:p>
+        </p:txBody>
+      </p:sp>
+      <p:sp>
+        <p:nvSpPr>
+          <p:cNvPr id="4" name="Slide Number Placeholder 3"/>
+          <p:cNvSpPr>
+            <a:spLocks noGrp="1"/>
+          </p:cNvSpPr>
+          <p:nvPr>
+            <p:ph type="sldNum" sz="quarter" idx="10"/>
+          </p:nvPr>
+        </p:nvSpPr>
+        <p:spPr/>
+        <p:txBody>
+          <a:bodyPr/>
+          <a:lstStyle/>
+          <a:p>
+            <a:fld id="{802F4FDE-E608-4837-AD92-7859B3E0AEC1}" type="slidenum">
+              <a:rPr lang="en-US" smtClean="0"/>
               <a:t>16</a:t>
             </a:fld>
             <a:endParaRPr lang="en-US"/>
@@ -9173,7 +9265,7 @@
 </p:notes>
 </file>
 
-<file path=ppt/notesSlides/notesSlide3.xml><?xml version="1.0" encoding="utf-8"?>
+<file path=ppt/notesSlides/notesSlide4.xml><?xml version="1.0" encoding="utf-8"?>
 <p:notes xmlns:a="http://schemas.openxmlformats.org/drawingml/2006/main" xmlns:r="http://schemas.openxmlformats.org/officeDocument/2006/relationships" xmlns:p="http://schemas.openxmlformats.org/presentationml/2006/main">
   <p:cSld>
     <p:spTree>
@@ -9404,7 +9496,7 @@
           <a:p>
             <a:fld id="{5BC5940C-5731-4326-AB2B-419FD51043F0}" type="datetimeFigureOut">
               <a:rPr lang="en-US" smtClean="0"/>
-              <a:t>12/14/2017</a:t>
+              <a:t>12/15/2017</a:t>
             </a:fld>
             <a:endParaRPr lang="en-US"/>
           </a:p>
@@ -9602,7 +9694,7 @@
           <a:p>
             <a:fld id="{5BC5940C-5731-4326-AB2B-419FD51043F0}" type="datetimeFigureOut">
               <a:rPr lang="en-US" smtClean="0"/>
-              <a:t>12/14/2017</a:t>
+              <a:t>12/15/2017</a:t>
             </a:fld>
             <a:endParaRPr lang="en-US"/>
           </a:p>
@@ -9810,7 +9902,7 @@
           <a:p>
             <a:fld id="{5BC5940C-5731-4326-AB2B-419FD51043F0}" type="datetimeFigureOut">
               <a:rPr lang="en-US" smtClean="0"/>
-              <a:t>12/14/2017</a:t>
+              <a:t>12/15/2017</a:t>
             </a:fld>
             <a:endParaRPr lang="en-US"/>
           </a:p>
@@ -10008,7 +10100,7 @@
           <a:p>
             <a:fld id="{5BC5940C-5731-4326-AB2B-419FD51043F0}" type="datetimeFigureOut">
               <a:rPr lang="en-US" smtClean="0"/>
-              <a:t>12/14/2017</a:t>
+              <a:t>12/15/2017</a:t>
             </a:fld>
             <a:endParaRPr lang="en-US"/>
           </a:p>
@@ -10283,7 +10375,7 @@
           <a:p>
             <a:fld id="{5BC5940C-5731-4326-AB2B-419FD51043F0}" type="datetimeFigureOut">
               <a:rPr lang="en-US" smtClean="0"/>
-              <a:t>12/14/2017</a:t>
+              <a:t>12/15/2017</a:t>
             </a:fld>
             <a:endParaRPr lang="en-US"/>
           </a:p>
@@ -10548,7 +10640,7 @@
           <a:p>
             <a:fld id="{5BC5940C-5731-4326-AB2B-419FD51043F0}" type="datetimeFigureOut">
               <a:rPr lang="en-US" smtClean="0"/>
-              <a:t>12/14/2017</a:t>
+              <a:t>12/15/2017</a:t>
             </a:fld>
             <a:endParaRPr lang="en-US"/>
           </a:p>
@@ -10960,7 +11052,7 @@
           <a:p>
             <a:fld id="{5BC5940C-5731-4326-AB2B-419FD51043F0}" type="datetimeFigureOut">
               <a:rPr lang="en-US" smtClean="0"/>
-              <a:t>12/14/2017</a:t>
+              <a:t>12/15/2017</a:t>
             </a:fld>
             <a:endParaRPr lang="en-US"/>
           </a:p>
@@ -11101,7 +11193,7 @@
           <a:p>
             <a:fld id="{5BC5940C-5731-4326-AB2B-419FD51043F0}" type="datetimeFigureOut">
               <a:rPr lang="en-US" smtClean="0"/>
-              <a:t>12/14/2017</a:t>
+              <a:t>12/15/2017</a:t>
             </a:fld>
             <a:endParaRPr lang="en-US"/>
           </a:p>
@@ -11214,7 +11306,7 @@
           <a:p>
             <a:fld id="{5BC5940C-5731-4326-AB2B-419FD51043F0}" type="datetimeFigureOut">
               <a:rPr lang="en-US" smtClean="0"/>
-              <a:t>12/14/2017</a:t>
+              <a:t>12/15/2017</a:t>
             </a:fld>
             <a:endParaRPr lang="en-US"/>
           </a:p>
@@ -11525,7 +11617,7 @@
           <a:p>
             <a:fld id="{5BC5940C-5731-4326-AB2B-419FD51043F0}" type="datetimeFigureOut">
               <a:rPr lang="en-US" smtClean="0"/>
-              <a:t>12/14/2017</a:t>
+              <a:t>12/15/2017</a:t>
             </a:fld>
             <a:endParaRPr lang="en-US"/>
           </a:p>
@@ -11813,7 +11905,7 @@
           <a:p>
             <a:fld id="{5BC5940C-5731-4326-AB2B-419FD51043F0}" type="datetimeFigureOut">
               <a:rPr lang="en-US" smtClean="0"/>
-              <a:t>12/14/2017</a:t>
+              <a:t>12/15/2017</a:t>
             </a:fld>
             <a:endParaRPr lang="en-US"/>
           </a:p>
@@ -12054,7 +12146,7 @@
           <a:p>
             <a:fld id="{5BC5940C-5731-4326-AB2B-419FD51043F0}" type="datetimeFigureOut">
               <a:rPr lang="en-US" smtClean="0"/>
-              <a:t>12/14/2017</a:t>
+              <a:t>12/15/2017</a:t>
             </a:fld>
             <a:endParaRPr lang="en-US"/>
           </a:p>
@@ -13239,7 +13331,7 @@
           <p:nvPr/>
         </p:nvPicPr>
         <p:blipFill>
-          <a:blip r:embed="rId2">
+          <a:blip r:embed="rId3">
             <a:extLst>
               <a:ext uri="{28A0092B-C50C-407E-A947-70E740481C1C}">
                 <a14:useLocalDpi xmlns:a14="http://schemas.microsoft.com/office/drawing/2010/main" val="0"/>
